--- a/Documents/05_PresenYoshidaLAB.pptx
+++ b/Documents/05_PresenYoshidaLAB.pptx
@@ -9,7 +9,7 @@
     <p:sldId id="257" r:id="rId3"/>
     <p:sldId id="258" r:id="rId4"/>
     <p:sldId id="259" r:id="rId5"/>
-    <p:sldId id="264" r:id="rId6"/>
+    <p:sldId id="267" r:id="rId6"/>
     <p:sldId id="261" r:id="rId7"/>
     <p:sldId id="262" r:id="rId8"/>
     <p:sldId id="266" r:id="rId9"/>
@@ -283,7 +283,7 @@
           <a:p>
             <a:fld id="{F26B57E9-A734-4E83-B5A9-1425A73888DC}" type="datetimeFigureOut">
               <a:rPr kumimoji="1" lang="ja-JP" altLang="en-US" smtClean="0"/>
-              <a:t>2017/11/20</a:t>
+              <a:t>2017/11/22</a:t>
             </a:fld>
             <a:endParaRPr kumimoji="1" lang="ja-JP" altLang="en-US"/>
           </a:p>
@@ -513,7 +513,7 @@
           <a:p>
             <a:fld id="{F26B57E9-A734-4E83-B5A9-1425A73888DC}" type="datetimeFigureOut">
               <a:rPr kumimoji="1" lang="ja-JP" altLang="en-US" smtClean="0"/>
-              <a:t>2017/11/20</a:t>
+              <a:t>2017/11/22</a:t>
             </a:fld>
             <a:endParaRPr kumimoji="1" lang="ja-JP" altLang="en-US"/>
           </a:p>
@@ -753,7 +753,7 @@
           <a:p>
             <a:fld id="{F26B57E9-A734-4E83-B5A9-1425A73888DC}" type="datetimeFigureOut">
               <a:rPr kumimoji="1" lang="ja-JP" altLang="en-US" smtClean="0"/>
-              <a:t>2017/11/20</a:t>
+              <a:t>2017/11/22</a:t>
             </a:fld>
             <a:endParaRPr kumimoji="1" lang="ja-JP" altLang="en-US"/>
           </a:p>
@@ -983,7 +983,7 @@
           <a:p>
             <a:fld id="{F26B57E9-A734-4E83-B5A9-1425A73888DC}" type="datetimeFigureOut">
               <a:rPr kumimoji="1" lang="ja-JP" altLang="en-US" smtClean="0"/>
-              <a:t>2017/11/20</a:t>
+              <a:t>2017/11/22</a:t>
             </a:fld>
             <a:endParaRPr kumimoji="1" lang="ja-JP" altLang="en-US"/>
           </a:p>
@@ -1258,7 +1258,7 @@
           <a:p>
             <a:fld id="{F26B57E9-A734-4E83-B5A9-1425A73888DC}" type="datetimeFigureOut">
               <a:rPr kumimoji="1" lang="ja-JP" altLang="en-US" smtClean="0"/>
-              <a:t>2017/11/20</a:t>
+              <a:t>2017/11/22</a:t>
             </a:fld>
             <a:endParaRPr kumimoji="1" lang="ja-JP" altLang="en-US"/>
           </a:p>
@@ -1587,7 +1587,7 @@
           <a:p>
             <a:fld id="{F26B57E9-A734-4E83-B5A9-1425A73888DC}" type="datetimeFigureOut">
               <a:rPr kumimoji="1" lang="ja-JP" altLang="en-US" smtClean="0"/>
-              <a:t>2017/11/20</a:t>
+              <a:t>2017/11/22</a:t>
             </a:fld>
             <a:endParaRPr kumimoji="1" lang="ja-JP" altLang="en-US"/>
           </a:p>
@@ -2063,7 +2063,7 @@
           <a:p>
             <a:fld id="{F26B57E9-A734-4E83-B5A9-1425A73888DC}" type="datetimeFigureOut">
               <a:rPr kumimoji="1" lang="ja-JP" altLang="en-US" smtClean="0"/>
-              <a:t>2017/11/20</a:t>
+              <a:t>2017/11/22</a:t>
             </a:fld>
             <a:endParaRPr kumimoji="1" lang="ja-JP" altLang="en-US"/>
           </a:p>
@@ -2204,7 +2204,7 @@
           <a:p>
             <a:fld id="{F26B57E9-A734-4E83-B5A9-1425A73888DC}" type="datetimeFigureOut">
               <a:rPr kumimoji="1" lang="ja-JP" altLang="en-US" smtClean="0"/>
-              <a:t>2017/11/20</a:t>
+              <a:t>2017/11/22</a:t>
             </a:fld>
             <a:endParaRPr kumimoji="1" lang="ja-JP" altLang="en-US"/>
           </a:p>
@@ -2317,7 +2317,7 @@
           <a:p>
             <a:fld id="{F26B57E9-A734-4E83-B5A9-1425A73888DC}" type="datetimeFigureOut">
               <a:rPr kumimoji="1" lang="ja-JP" altLang="en-US" smtClean="0"/>
-              <a:t>2017/11/20</a:t>
+              <a:t>2017/11/22</a:t>
             </a:fld>
             <a:endParaRPr kumimoji="1" lang="ja-JP" altLang="en-US"/>
           </a:p>
@@ -2660,7 +2660,7 @@
           <a:p>
             <a:fld id="{F26B57E9-A734-4E83-B5A9-1425A73888DC}" type="datetimeFigureOut">
               <a:rPr kumimoji="1" lang="ja-JP" altLang="en-US" smtClean="0"/>
-              <a:t>2017/11/20</a:t>
+              <a:t>2017/11/22</a:t>
             </a:fld>
             <a:endParaRPr kumimoji="1" lang="ja-JP" altLang="en-US"/>
           </a:p>
@@ -2948,7 +2948,7 @@
           <a:p>
             <a:fld id="{F26B57E9-A734-4E83-B5A9-1425A73888DC}" type="datetimeFigureOut">
               <a:rPr kumimoji="1" lang="ja-JP" altLang="en-US" smtClean="0"/>
-              <a:t>2017/11/20</a:t>
+              <a:t>2017/11/22</a:t>
             </a:fld>
             <a:endParaRPr kumimoji="1" lang="ja-JP" altLang="en-US"/>
           </a:p>
@@ -3221,7 +3221,7 @@
           <a:p>
             <a:fld id="{F26B57E9-A734-4E83-B5A9-1425A73888DC}" type="datetimeFigureOut">
               <a:rPr kumimoji="1" lang="ja-JP" altLang="en-US" smtClean="0"/>
-              <a:t>2017/11/20</a:t>
+              <a:t>2017/11/22</a:t>
             </a:fld>
             <a:endParaRPr kumimoji="1" lang="ja-JP" altLang="en-US"/>
           </a:p>
@@ -4221,7 +4221,7 @@
         </p:nvSpPr>
         <p:spPr>
           <a:xfrm>
-            <a:off x="461571" y="4410180"/>
+            <a:off x="545173" y="4380832"/>
             <a:ext cx="7120410" cy="2026389"/>
           </a:xfrm>
         </p:spPr>
@@ -4237,20 +4237,7 @@
                 <a:latin typeface="游ゴシック Medium" panose="020B0500000000000000" pitchFamily="50" charset="-128"/>
                 <a:ea typeface="游ゴシック Medium" panose="020B0500000000000000" pitchFamily="50" charset="-128"/>
               </a:rPr>
-              <a:t>初心者のプログラミング技術</a:t>
-            </a:r>
-            <a:br>
-              <a:rPr kumimoji="1" lang="en-US" altLang="ja-JP" sz="4100" b="0" dirty="0">
-                <a:latin typeface="游ゴシック Medium" panose="020B0500000000000000" pitchFamily="50" charset="-128"/>
-                <a:ea typeface="游ゴシック Medium" panose="020B0500000000000000" pitchFamily="50" charset="-128"/>
-              </a:rPr>
-            </a:br>
-            <a:r>
-              <a:rPr kumimoji="1" lang="ja-JP" altLang="en-US" sz="4100" b="0" dirty="0">
-                <a:latin typeface="游ゴシック Medium" panose="020B0500000000000000" pitchFamily="50" charset="-128"/>
-                <a:ea typeface="游ゴシック Medium" panose="020B0500000000000000" pitchFamily="50" charset="-128"/>
-              </a:rPr>
-              <a:t>習得を支援するシステム</a:t>
+              <a:t>初心者のプログラミング学習を支援するシステム</a:t>
             </a:r>
           </a:p>
         </p:txBody>
@@ -4299,18 +4286,25 @@
           <a:p>
             <a:pPr algn="l"/>
             <a:r>
+              <a:rPr lang="ja-JP" altLang="en-US" dirty="0">
+                <a:latin typeface="游ゴシック Medium" panose="020B0500000000000000" pitchFamily="50" charset="-128"/>
+                <a:ea typeface="游ゴシック Medium" panose="020B0500000000000000" pitchFamily="50" charset="-128"/>
+              </a:rPr>
+              <a:t>　</a:t>
+            </a:r>
+            <a:r>
               <a:rPr kumimoji="1" lang="ja-JP" altLang="en-US" dirty="0">
                 <a:latin typeface="游ゴシック Medium" panose="020B0500000000000000" pitchFamily="50" charset="-128"/>
                 <a:ea typeface="游ゴシック Medium" panose="020B0500000000000000" pitchFamily="50" charset="-128"/>
               </a:rPr>
-              <a:t>　中野大成　小野瀬</a:t>
+              <a:t>小野瀬</a:t>
             </a:r>
             <a:r>
               <a:rPr lang="ja-JP" altLang="en-US" dirty="0">
                 <a:latin typeface="游ゴシック Medium" panose="020B0500000000000000" pitchFamily="50" charset="-128"/>
                 <a:ea typeface="游ゴシック Medium" panose="020B0500000000000000" pitchFamily="50" charset="-128"/>
               </a:rPr>
-              <a:t>博貴</a:t>
+              <a:t>博貴　谷口響</a:t>
             </a:r>
             <a:endParaRPr kumimoji="1" lang="en-US" altLang="ja-JP" dirty="0">
               <a:latin typeface="游ゴシック Medium" panose="020B0500000000000000" pitchFamily="50" charset="-128"/>
@@ -4324,12 +4318,360 @@
                 <a:latin typeface="游ゴシック Medium" panose="020B0500000000000000" pitchFamily="50" charset="-128"/>
                 <a:ea typeface="游ゴシック Medium" panose="020B0500000000000000" pitchFamily="50" charset="-128"/>
               </a:rPr>
-              <a:t>　谷口響　　仁木大雅</a:t>
+              <a:t>　中野大成　　仁木大雅</a:t>
             </a:r>
             <a:endParaRPr kumimoji="1" lang="ja-JP" altLang="en-US" dirty="0"/>
           </a:p>
         </p:txBody>
       </p:sp>
+      <p:sp>
+        <p:nvSpPr>
+          <p:cNvPr id="11" name="テキスト ボックス 10">
+            <a:extLst>
+              <a:ext uri="{FF2B5EF4-FFF2-40B4-BE49-F238E27FC236}">
+                <a16:creationId xmlns:a16="http://schemas.microsoft.com/office/drawing/2014/main" id="{B70E6E37-3A23-4EDB-824E-4F806467EC56}"/>
+              </a:ext>
+            </a:extLst>
+          </p:cNvPr>
+          <p:cNvSpPr txBox="1"/>
+          <p:nvPr/>
+        </p:nvSpPr>
+        <p:spPr>
+          <a:xfrm rot="21295753">
+            <a:off x="685616" y="1349935"/>
+            <a:ext cx="2030452" cy="707886"/>
+          </a:xfrm>
+          <a:prstGeom prst="rect">
+            <a:avLst/>
+          </a:prstGeom>
+          <a:noFill/>
+        </p:spPr>
+        <p:txBody>
+          <a:bodyPr wrap="square" rtlCol="0">
+            <a:spAutoFit/>
+          </a:bodyPr>
+          <a:lstStyle/>
+          <a:p>
+            <a:r>
+              <a:rPr kumimoji="1" lang="en-US" altLang="ja-JP" sz="4000" dirty="0">
+                <a:solidFill>
+                  <a:schemeClr val="bg1"/>
+                </a:solidFill>
+                <a:latin typeface="HGP明朝E" panose="02020900000000000000" pitchFamily="18" charset="-128"/>
+                <a:ea typeface="HGP明朝E" panose="02020900000000000000" pitchFamily="18" charset="-128"/>
+              </a:rPr>
+              <a:t>Gathers'</a:t>
+            </a:r>
+            <a:endParaRPr kumimoji="1" lang="ja-JP" altLang="en-US" sz="4000" dirty="0">
+              <a:solidFill>
+                <a:schemeClr val="bg1"/>
+              </a:solidFill>
+              <a:latin typeface="HGP明朝E" panose="02020900000000000000" pitchFamily="18" charset="-128"/>
+              <a:ea typeface="HGP明朝E" panose="02020900000000000000" pitchFamily="18" charset="-128"/>
+            </a:endParaRPr>
+          </a:p>
+        </p:txBody>
+      </p:sp>
+      <p:sp>
+        <p:nvSpPr>
+          <p:cNvPr id="13" name="テキスト ボックス 12">
+            <a:extLst>
+              <a:ext uri="{FF2B5EF4-FFF2-40B4-BE49-F238E27FC236}">
+                <a16:creationId xmlns:a16="http://schemas.microsoft.com/office/drawing/2014/main" id="{9B900175-D840-4084-81B7-46C90C529661}"/>
+              </a:ext>
+            </a:extLst>
+          </p:cNvPr>
+          <p:cNvSpPr txBox="1"/>
+          <p:nvPr/>
+        </p:nvSpPr>
+        <p:spPr>
+          <a:xfrm rot="1031552">
+            <a:off x="3379293" y="2756242"/>
+            <a:ext cx="1112433" cy="369332"/>
+          </a:xfrm>
+          <a:prstGeom prst="rect">
+            <a:avLst/>
+          </a:prstGeom>
+          <a:noFill/>
+        </p:spPr>
+        <p:txBody>
+          <a:bodyPr wrap="square" rtlCol="0">
+            <a:spAutoFit/>
+          </a:bodyPr>
+          <a:lstStyle/>
+          <a:p>
+            <a:r>
+              <a:rPr kumimoji="1" lang="en-US" altLang="ja-JP" dirty="0">
+                <a:solidFill>
+                  <a:schemeClr val="bg1"/>
+                </a:solidFill>
+                <a:latin typeface="HGP明朝E" panose="02020900000000000000" pitchFamily="18" charset="-128"/>
+                <a:ea typeface="HGP明朝E" panose="02020900000000000000" pitchFamily="18" charset="-128"/>
+              </a:rPr>
+              <a:t>Gathers'</a:t>
+            </a:r>
+            <a:endParaRPr kumimoji="1" lang="ja-JP" altLang="en-US" dirty="0">
+              <a:solidFill>
+                <a:schemeClr val="bg1"/>
+              </a:solidFill>
+              <a:latin typeface="HGP明朝E" panose="02020900000000000000" pitchFamily="18" charset="-128"/>
+              <a:ea typeface="HGP明朝E" panose="02020900000000000000" pitchFamily="18" charset="-128"/>
+            </a:endParaRPr>
+          </a:p>
+        </p:txBody>
+      </p:sp>
+      <p:sp>
+        <p:nvSpPr>
+          <p:cNvPr id="15" name="テキスト ボックス 14">
+            <a:extLst>
+              <a:ext uri="{FF2B5EF4-FFF2-40B4-BE49-F238E27FC236}">
+                <a16:creationId xmlns:a16="http://schemas.microsoft.com/office/drawing/2014/main" id="{EC825F93-2BB7-4F09-A187-5A7BC38EE5C4}"/>
+              </a:ext>
+            </a:extLst>
+          </p:cNvPr>
+          <p:cNvSpPr txBox="1"/>
+          <p:nvPr/>
+        </p:nvSpPr>
+        <p:spPr>
+          <a:xfrm rot="19862656">
+            <a:off x="6746333" y="-1930366"/>
+            <a:ext cx="9557897" cy="2862322"/>
+          </a:xfrm>
+          <a:prstGeom prst="rect">
+            <a:avLst/>
+          </a:prstGeom>
+          <a:noFill/>
+        </p:spPr>
+        <p:txBody>
+          <a:bodyPr wrap="square" rtlCol="0">
+            <a:spAutoFit/>
+          </a:bodyPr>
+          <a:lstStyle/>
+          <a:p>
+            <a:r>
+              <a:rPr kumimoji="1" lang="en-US" altLang="ja-JP" sz="18000" dirty="0">
+                <a:solidFill>
+                  <a:schemeClr val="bg1"/>
+                </a:solidFill>
+                <a:latin typeface="HGP明朝E" panose="02020900000000000000" pitchFamily="18" charset="-128"/>
+                <a:ea typeface="HGP明朝E" panose="02020900000000000000" pitchFamily="18" charset="-128"/>
+              </a:rPr>
+              <a:t>Gathers'</a:t>
+            </a:r>
+            <a:endParaRPr kumimoji="1" lang="ja-JP" altLang="en-US" sz="18000" dirty="0">
+              <a:solidFill>
+                <a:schemeClr val="bg1"/>
+              </a:solidFill>
+              <a:latin typeface="HGP明朝E" panose="02020900000000000000" pitchFamily="18" charset="-128"/>
+              <a:ea typeface="HGP明朝E" panose="02020900000000000000" pitchFamily="18" charset="-128"/>
+            </a:endParaRPr>
+          </a:p>
+        </p:txBody>
+      </p:sp>
+      <p:sp>
+        <p:nvSpPr>
+          <p:cNvPr id="17" name="テキスト ボックス 16">
+            <a:extLst>
+              <a:ext uri="{FF2B5EF4-FFF2-40B4-BE49-F238E27FC236}">
+                <a16:creationId xmlns:a16="http://schemas.microsoft.com/office/drawing/2014/main" id="{98216F25-C86A-4E2A-83FE-EB246E14D9EE}"/>
+              </a:ext>
+            </a:extLst>
+          </p:cNvPr>
+          <p:cNvSpPr txBox="1"/>
+          <p:nvPr/>
+        </p:nvSpPr>
+        <p:spPr>
+          <a:xfrm rot="10195550">
+            <a:off x="4788388" y="2418424"/>
+            <a:ext cx="698055" cy="169277"/>
+          </a:xfrm>
+          <a:prstGeom prst="rect">
+            <a:avLst/>
+          </a:prstGeom>
+          <a:noFill/>
+        </p:spPr>
+        <p:txBody>
+          <a:bodyPr wrap="square" rtlCol="0">
+            <a:spAutoFit/>
+          </a:bodyPr>
+          <a:lstStyle/>
+          <a:p>
+            <a:r>
+              <a:rPr kumimoji="1" lang="en-US" altLang="ja-JP" sz="500" dirty="0">
+                <a:solidFill>
+                  <a:schemeClr val="bg1"/>
+                </a:solidFill>
+                <a:latin typeface="HGP明朝E" panose="02020900000000000000" pitchFamily="18" charset="-128"/>
+                <a:ea typeface="HGP明朝E" panose="02020900000000000000" pitchFamily="18" charset="-128"/>
+              </a:rPr>
+              <a:t>Gathers'</a:t>
+            </a:r>
+            <a:endParaRPr kumimoji="1" lang="ja-JP" altLang="en-US" sz="500" dirty="0">
+              <a:solidFill>
+                <a:schemeClr val="bg1"/>
+              </a:solidFill>
+              <a:latin typeface="HGP明朝E" panose="02020900000000000000" pitchFamily="18" charset="-128"/>
+              <a:ea typeface="HGP明朝E" panose="02020900000000000000" pitchFamily="18" charset="-128"/>
+            </a:endParaRPr>
+          </a:p>
+        </p:txBody>
+      </p:sp>
+      <p:cxnSp>
+        <p:nvCxnSpPr>
+          <p:cNvPr id="7" name="直線コネクタ 6">
+            <a:extLst>
+              <a:ext uri="{FF2B5EF4-FFF2-40B4-BE49-F238E27FC236}">
+                <a16:creationId xmlns:a16="http://schemas.microsoft.com/office/drawing/2014/main" id="{B2326F59-13D6-4A06-AD4B-C3B25A9FD213}"/>
+              </a:ext>
+            </a:extLst>
+          </p:cNvPr>
+          <p:cNvCxnSpPr>
+            <a:cxnSpLocks/>
+          </p:cNvCxnSpPr>
+          <p:nvPr/>
+        </p:nvCxnSpPr>
+        <p:spPr>
+          <a:xfrm>
+            <a:off x="2615584" y="2370028"/>
+            <a:ext cx="791766" cy="468422"/>
+          </a:xfrm>
+          <a:prstGeom prst="line">
+            <a:avLst/>
+          </a:prstGeom>
+          <a:ln w="19050"/>
+        </p:spPr>
+        <p:style>
+          <a:lnRef idx="1">
+            <a:schemeClr val="accent2"/>
+          </a:lnRef>
+          <a:fillRef idx="0">
+            <a:schemeClr val="accent2"/>
+          </a:fillRef>
+          <a:effectRef idx="0">
+            <a:schemeClr val="accent2"/>
+          </a:effectRef>
+          <a:fontRef idx="minor">
+            <a:schemeClr val="tx1"/>
+          </a:fontRef>
+        </p:style>
+      </p:cxnSp>
+      <p:cxnSp>
+        <p:nvCxnSpPr>
+          <p:cNvPr id="22" name="直線コネクタ 21">
+            <a:extLst>
+              <a:ext uri="{FF2B5EF4-FFF2-40B4-BE49-F238E27FC236}">
+                <a16:creationId xmlns:a16="http://schemas.microsoft.com/office/drawing/2014/main" id="{AF2C9322-17BD-4653-8255-4605804C95FE}"/>
+              </a:ext>
+            </a:extLst>
+          </p:cNvPr>
+          <p:cNvCxnSpPr>
+            <a:cxnSpLocks/>
+          </p:cNvCxnSpPr>
+          <p:nvPr/>
+        </p:nvCxnSpPr>
+        <p:spPr>
+          <a:xfrm flipV="1">
+            <a:off x="4334380" y="2493537"/>
+            <a:ext cx="794824" cy="307824"/>
+          </a:xfrm>
+          <a:prstGeom prst="line">
+            <a:avLst/>
+          </a:prstGeom>
+          <a:ln w="19050"/>
+        </p:spPr>
+        <p:style>
+          <a:lnRef idx="1">
+            <a:schemeClr val="accent3"/>
+          </a:lnRef>
+          <a:fillRef idx="0">
+            <a:schemeClr val="accent3"/>
+          </a:fillRef>
+          <a:effectRef idx="0">
+            <a:schemeClr val="accent3"/>
+          </a:effectRef>
+          <a:fontRef idx="minor">
+            <a:schemeClr val="tx1"/>
+          </a:fontRef>
+        </p:style>
+      </p:cxnSp>
+      <p:cxnSp>
+        <p:nvCxnSpPr>
+          <p:cNvPr id="27" name="直線コネクタ 26">
+            <a:extLst>
+              <a:ext uri="{FF2B5EF4-FFF2-40B4-BE49-F238E27FC236}">
+                <a16:creationId xmlns:a16="http://schemas.microsoft.com/office/drawing/2014/main" id="{8FCBD4D2-5FDD-45D0-ADF3-F4BBED21FDAE}"/>
+              </a:ext>
+            </a:extLst>
+          </p:cNvPr>
+          <p:cNvCxnSpPr>
+            <a:cxnSpLocks/>
+          </p:cNvCxnSpPr>
+          <p:nvPr/>
+        </p:nvCxnSpPr>
+        <p:spPr>
+          <a:xfrm flipV="1">
+            <a:off x="2823901" y="894658"/>
+            <a:ext cx="3888473" cy="716928"/>
+          </a:xfrm>
+          <a:prstGeom prst="line">
+            <a:avLst/>
+          </a:prstGeom>
+          <a:ln w="19050"/>
+        </p:spPr>
+        <p:style>
+          <a:lnRef idx="1">
+            <a:schemeClr val="accent1"/>
+          </a:lnRef>
+          <a:fillRef idx="0">
+            <a:schemeClr val="accent1"/>
+          </a:fillRef>
+          <a:effectRef idx="0">
+            <a:schemeClr val="accent1"/>
+          </a:effectRef>
+          <a:fontRef idx="minor">
+            <a:schemeClr val="tx1"/>
+          </a:fontRef>
+        </p:style>
+      </p:cxnSp>
+      <p:cxnSp>
+        <p:nvCxnSpPr>
+          <p:cNvPr id="30" name="直線コネクタ 29">
+            <a:extLst>
+              <a:ext uri="{FF2B5EF4-FFF2-40B4-BE49-F238E27FC236}">
+                <a16:creationId xmlns:a16="http://schemas.microsoft.com/office/drawing/2014/main" id="{B6C5A6B2-A52E-45D4-9A39-2F89178532A5}"/>
+              </a:ext>
+            </a:extLst>
+          </p:cNvPr>
+          <p:cNvCxnSpPr>
+            <a:cxnSpLocks/>
+          </p:cNvCxnSpPr>
+          <p:nvPr/>
+        </p:nvCxnSpPr>
+        <p:spPr>
+          <a:xfrm>
+            <a:off x="5391484" y="2459249"/>
+            <a:ext cx="2239100" cy="34288"/>
+          </a:xfrm>
+          <a:prstGeom prst="line">
+            <a:avLst/>
+          </a:prstGeom>
+          <a:ln w="19050"/>
+        </p:spPr>
+        <p:style>
+          <a:lnRef idx="1">
+            <a:schemeClr val="accent6"/>
+          </a:lnRef>
+          <a:fillRef idx="0">
+            <a:schemeClr val="accent6"/>
+          </a:fillRef>
+          <a:effectRef idx="0">
+            <a:schemeClr val="accent6"/>
+          </a:effectRef>
+          <a:fontRef idx="minor">
+            <a:schemeClr val="tx1"/>
+          </a:fontRef>
+        </p:style>
+      </p:cxnSp>
     </p:spTree>
     <p:extLst>
       <p:ext uri="{BB962C8B-B14F-4D97-AF65-F5344CB8AC3E}">
@@ -4410,7 +4752,7 @@
           <p:nvPr>
             <p:extLst>
               <p:ext uri="{D42A27DB-BD31-4B8C-83A1-F6EECF244321}">
-                <p14:modId xmlns:p14="http://schemas.microsoft.com/office/powerpoint/2010/main" val="508517876"/>
+                <p14:modId xmlns:p14="http://schemas.microsoft.com/office/powerpoint/2010/main" val="1016461296"/>
               </p:ext>
             </p:extLst>
           </p:nvPr>
@@ -5478,7 +5820,7 @@
         </p:nvGrpSpPr>
         <p:grpSpPr>
           <a:xfrm>
-            <a:off x="515972" y="3953339"/>
+            <a:off x="515972" y="3684891"/>
             <a:ext cx="11194879" cy="2743552"/>
             <a:chOff x="-5231687" y="3943667"/>
             <a:chExt cx="11194879" cy="2743552"/>
@@ -5538,7 +5880,7 @@
               </a:r>
               <a:r>
                 <a:rPr lang="ja-JP" altLang="en-US" sz="2800" b="1" dirty="0"/>
-                <a:t>既にあるコミュニティを使って、</a:t>
+                <a:t>既にあるコミュニティを使って</a:t>
               </a:r>
               <a:endParaRPr lang="en-US" altLang="ja-JP" sz="2800" b="1" dirty="0"/>
             </a:p>
@@ -5548,20 +5890,52 @@
             <a:p>
               <a:r>
                 <a:rPr lang="ja-JP" altLang="en-US" sz="2800" dirty="0"/>
-                <a:t>　　　　　　　</a:t>
+                <a:t>　　　　　　</a:t>
               </a:r>
               <a:r>
                 <a:rPr lang="ja-JP" altLang="en-US" sz="2800" b="1" dirty="0"/>
-                <a:t>・相互評価、競争の場をつくることでやる気を持続</a:t>
+                <a:t>・相互評価・競争によって</a:t>
               </a:r>
-              <a:endParaRPr lang="en-US" altLang="ja-JP" sz="2800" b="1" dirty="0"/>
+              <a:r>
+                <a:rPr lang="ja-JP" altLang="en-US" sz="2800" b="1" dirty="0">
+                  <a:solidFill>
+                    <a:srgbClr val="FF0000"/>
+                  </a:solidFill>
+                </a:rPr>
+                <a:t>やる気を持続！</a:t>
+              </a:r>
+              <a:endParaRPr lang="en-US" altLang="ja-JP" sz="2800" b="1" dirty="0">
+                <a:solidFill>
+                  <a:srgbClr val="FF0000"/>
+                </a:solidFill>
+              </a:endParaRPr>
             </a:p>
             <a:p>
               <a:r>
                 <a:rPr lang="ja-JP" altLang="en-US" sz="2800" b="1" dirty="0"/>
-                <a:t>　　　　　　　・ほかの学習者と協力して壁を乗り越える</a:t>
+                <a:t>　　　　　　・ほかの学習者と</a:t>
               </a:r>
-              <a:endParaRPr lang="en-US" altLang="ja-JP" sz="2800" b="1" dirty="0"/>
+              <a:r>
+                <a:rPr lang="ja-JP" altLang="en-US" sz="2800" b="1" dirty="0">
+                  <a:solidFill>
+                    <a:schemeClr val="tx1"/>
+                  </a:solidFill>
+                </a:rPr>
+                <a:t>協力して</a:t>
+              </a:r>
+              <a:r>
+                <a:rPr lang="ja-JP" altLang="en-US" sz="2800" b="1" dirty="0">
+                  <a:solidFill>
+                    <a:srgbClr val="FF0000"/>
+                  </a:solidFill>
+                </a:rPr>
+                <a:t>壁を乗り越える！</a:t>
+              </a:r>
+              <a:endParaRPr lang="en-US" altLang="ja-JP" sz="2800" b="1" dirty="0">
+                <a:solidFill>
+                  <a:srgbClr val="FF0000"/>
+                </a:solidFill>
+              </a:endParaRPr>
             </a:p>
           </p:txBody>
         </p:sp>
@@ -5632,7 +6006,7 @@
         </p:nvGrpSpPr>
         <p:grpSpPr>
           <a:xfrm>
-            <a:off x="515972" y="1813651"/>
+            <a:off x="515972" y="1545203"/>
             <a:ext cx="11194879" cy="1798658"/>
             <a:chOff x="-5416744" y="4014910"/>
             <a:chExt cx="11194879" cy="1798658"/>
@@ -5687,31 +6061,31 @@
             </a:p>
             <a:p>
               <a:r>
-                <a:rPr kumimoji="1" lang="ja-JP" altLang="en-US" sz="2800" dirty="0"/>
-                <a:t>  </a:t>
+                <a:rPr kumimoji="1" lang="ja-JP" altLang="en-US" sz="2900" b="1" dirty="0"/>
+                <a:t>　プログラミング必修化が取り入れられた</a:t>
               </a:r>
               <a:r>
-                <a:rPr kumimoji="1" lang="ja-JP" altLang="en-US" sz="2900" b="1" dirty="0"/>
-                <a:t>必修化が取り入れられたクラスでの学習者</a:t>
+                <a:rPr kumimoji="1" lang="ja-JP" altLang="en-US" sz="2900" b="1" dirty="0">
+                  <a:solidFill>
+                    <a:srgbClr val="FF0000"/>
+                  </a:solidFill>
+                </a:rPr>
+                <a:t>クラスでの学習者</a:t>
               </a:r>
               <a:r>
                 <a:rPr lang="ja-JP" altLang="en-US" sz="2900" b="1" dirty="0"/>
                 <a:t>や、</a:t>
               </a:r>
-              <a:r>
-                <a:rPr kumimoji="1" lang="ja-JP" altLang="en-US" sz="2900" b="1" dirty="0"/>
-                <a:t>プログラミング</a:t>
-              </a:r>
-              <a:endParaRPr kumimoji="1" lang="en-US" altLang="ja-JP" sz="2900" b="1" dirty="0"/>
+              <a:endParaRPr lang="en-US" altLang="ja-JP" sz="2900" b="1" dirty="0"/>
             </a:p>
             <a:p>
               <a:r>
                 <a:rPr kumimoji="1" lang="ja-JP" altLang="en-US" sz="2900" b="1" dirty="0"/>
-                <a:t>  同好会</a:t>
+                <a:t>　同好会</a:t>
               </a:r>
               <a:r>
                 <a:rPr lang="ja-JP" altLang="en-US" sz="2900" b="1" dirty="0"/>
-                <a:t>等のプログラムスキル</a:t>
+                <a:t>等のプログラミングスキル</a:t>
               </a:r>
               <a:r>
                 <a:rPr kumimoji="1" lang="ja-JP" altLang="en-US" sz="2900" b="1" dirty="0"/>
@@ -5722,9 +6096,18 @@
                 <a:t>を目指す</a:t>
               </a:r>
               <a:r>
-                <a:rPr kumimoji="1" lang="ja-JP" altLang="en-US" sz="2900" b="1" dirty="0"/>
+                <a:rPr lang="ja-JP" altLang="en-US" sz="2900" b="1" dirty="0">
+                  <a:solidFill>
+                    <a:srgbClr val="FF0000"/>
+                  </a:solidFill>
+                </a:rPr>
                 <a:t>コミュニティ</a:t>
               </a:r>
+              <a:endParaRPr kumimoji="1" lang="ja-JP" altLang="en-US" sz="2900" b="1" dirty="0">
+                <a:solidFill>
+                  <a:srgbClr val="FF0000"/>
+                </a:solidFill>
+              </a:endParaRPr>
             </a:p>
           </p:txBody>
         </p:sp>
@@ -5795,7 +6178,7 @@
         </p:nvSpPr>
         <p:spPr>
           <a:xfrm>
-            <a:off x="1643653" y="5622018"/>
+            <a:off x="1375205" y="5353570"/>
             <a:ext cx="1341120" cy="879566"/>
           </a:xfrm>
           <a:prstGeom prst="rightArrow">
@@ -5866,7 +6249,7 @@
         </p:blipFill>
         <p:spPr>
           <a:xfrm>
-            <a:off x="9749139" y="3544934"/>
+            <a:off x="9749139" y="3276486"/>
             <a:ext cx="2442861" cy="2149717"/>
           </a:xfrm>
           <a:prstGeom prst="rect">
@@ -5890,6 +6273,20 @@
 <file path=ppt/slides/slide5.xml><?xml version="1.0" encoding="utf-8"?>
 <p:sld xmlns:a="http://schemas.openxmlformats.org/drawingml/2006/main" xmlns:r="http://schemas.openxmlformats.org/officeDocument/2006/relationships" xmlns:p="http://schemas.openxmlformats.org/presentationml/2006/main">
   <p:cSld>
+    <p:bg>
+      <p:bgPr>
+        <a:blipFill dpi="0" rotWithShape="1">
+          <a:blip r:embed="rId2">
+            <a:lum/>
+          </a:blip>
+          <a:srcRect/>
+          <a:stretch>
+            <a:fillRect t="-23000" b="-23000"/>
+          </a:stretch>
+        </a:blipFill>
+        <a:effectLst/>
+      </p:bgPr>
+    </p:bg>
     <p:spTree>
       <p:nvGrpSpPr>
         <p:cNvPr id="1" name=""/>
@@ -5904,41 +6301,114 @@
           <a:chExt cx="0" cy="0"/>
         </a:xfrm>
       </p:grpSpPr>
-      <p:pic>
-        <p:nvPicPr>
-          <p:cNvPr id="32" name="図 31" descr="建物 が含まれている画像&#10;&#10;高い精度で生成された説明">
-            <a:extLst>
-              <a:ext uri="{FF2B5EF4-FFF2-40B4-BE49-F238E27FC236}">
-                <a16:creationId xmlns:a16="http://schemas.microsoft.com/office/drawing/2014/main" id="{5AE27B46-859B-448C-933F-533E793711C6}"/>
-              </a:ext>
-            </a:extLst>
-          </p:cNvPr>
-          <p:cNvPicPr>
-            <a:picLocks noChangeAspect="1"/>
-          </p:cNvPicPr>
+      <p:sp>
+        <p:nvSpPr>
+          <p:cNvPr id="8" name="正方形/長方形 7">
+            <a:extLst>
+              <a:ext uri="{FF2B5EF4-FFF2-40B4-BE49-F238E27FC236}">
+                <a16:creationId xmlns:a16="http://schemas.microsoft.com/office/drawing/2014/main" id="{04E99706-F584-4296-96C2-31A20E2870A2}"/>
+              </a:ext>
+            </a:extLst>
+          </p:cNvPr>
+          <p:cNvSpPr/>
           <p:nvPr/>
-        </p:nvPicPr>
-        <p:blipFill rotWithShape="1">
-          <a:blip r:embed="rId2">
-            <a:extLst>
-              <a:ext uri="{28A0092B-C50C-407E-A947-70E740481C1C}">
-                <a14:useLocalDpi xmlns:a14="http://schemas.microsoft.com/office/drawing/2010/main" val="0"/>
-              </a:ext>
-            </a:extLst>
-          </a:blip>
-          <a:srcRect t="29602" r="1641" b="-1"/>
-          <a:stretch/>
-        </p:blipFill>
+        </p:nvSpPr>
         <p:spPr>
           <a:xfrm>
-            <a:off x="1931302" y="1567481"/>
-            <a:ext cx="8701859" cy="5084503"/>
+            <a:off x="989707" y="3535475"/>
+            <a:ext cx="10303845" cy="3250336"/>
           </a:xfrm>
           <a:prstGeom prst="rect">
             <a:avLst/>
           </a:prstGeom>
+          <a:noFill/>
+          <a:ln w="19050">
+            <a:solidFill>
+              <a:schemeClr val="bg2">
+                <a:lumMod val="75000"/>
+              </a:schemeClr>
+            </a:solidFill>
+          </a:ln>
         </p:spPr>
-      </p:pic>
+        <p:style>
+          <a:lnRef idx="2">
+            <a:schemeClr val="accent1">
+              <a:shade val="50000"/>
+            </a:schemeClr>
+          </a:lnRef>
+          <a:fillRef idx="1">
+            <a:schemeClr val="accent1"/>
+          </a:fillRef>
+          <a:effectRef idx="0">
+            <a:schemeClr val="accent1"/>
+          </a:effectRef>
+          <a:fontRef idx="minor">
+            <a:schemeClr val="lt1"/>
+          </a:fontRef>
+        </p:style>
+        <p:txBody>
+          <a:bodyPr rtlCol="0" anchor="ctr"/>
+          <a:lstStyle/>
+          <a:p>
+            <a:pPr algn="ctr"/>
+            <a:endParaRPr kumimoji="1" lang="ja-JP" altLang="en-US"/>
+          </a:p>
+        </p:txBody>
+      </p:sp>
+      <p:sp>
+        <p:nvSpPr>
+          <p:cNvPr id="7" name="正方形/長方形 6">
+            <a:extLst>
+              <a:ext uri="{FF2B5EF4-FFF2-40B4-BE49-F238E27FC236}">
+                <a16:creationId xmlns:a16="http://schemas.microsoft.com/office/drawing/2014/main" id="{0D05C04A-BB82-4C80-9908-EB0C258D94A7}"/>
+              </a:ext>
+            </a:extLst>
+          </p:cNvPr>
+          <p:cNvSpPr/>
+          <p:nvPr/>
+        </p:nvSpPr>
+        <p:spPr>
+          <a:xfrm>
+            <a:off x="0" y="-39756"/>
+            <a:ext cx="12192000" cy="1738534"/>
+          </a:xfrm>
+          <a:prstGeom prst="rect">
+            <a:avLst/>
+          </a:prstGeom>
+          <a:solidFill>
+            <a:schemeClr val="bg1"/>
+          </a:solidFill>
+          <a:ln>
+            <a:solidFill>
+              <a:schemeClr val="bg1"/>
+            </a:solidFill>
+          </a:ln>
+        </p:spPr>
+        <p:style>
+          <a:lnRef idx="2">
+            <a:schemeClr val="accent1">
+              <a:shade val="50000"/>
+            </a:schemeClr>
+          </a:lnRef>
+          <a:fillRef idx="1">
+            <a:schemeClr val="accent1"/>
+          </a:fillRef>
+          <a:effectRef idx="0">
+            <a:schemeClr val="accent1"/>
+          </a:effectRef>
+          <a:fontRef idx="minor">
+            <a:schemeClr val="lt1"/>
+          </a:fontRef>
+        </p:style>
+        <p:txBody>
+          <a:bodyPr rtlCol="0" anchor="ctr"/>
+          <a:lstStyle/>
+          <a:p>
+            <a:pPr algn="ctr"/>
+            <a:endParaRPr kumimoji="1" lang="ja-JP" altLang="en-US" dirty="0"/>
+          </a:p>
+        </p:txBody>
+      </p:sp>
       <p:sp>
         <p:nvSpPr>
           <p:cNvPr id="4" name="タイトル 1">
@@ -5989,65 +6459,12 @@
         </p:nvGrpSpPr>
         <p:grpSpPr>
           <a:xfrm>
-            <a:off x="7996136" y="4445452"/>
-            <a:ext cx="2110210" cy="1831957"/>
-            <a:chOff x="7708758" y="4340949"/>
-            <a:chExt cx="2110210" cy="1831957"/>
+            <a:off x="9302030" y="4790465"/>
+            <a:ext cx="1517035" cy="1855351"/>
+            <a:chOff x="8126430" y="4340949"/>
+            <a:chExt cx="1272080" cy="1555768"/>
           </a:xfrm>
         </p:grpSpPr>
-        <p:sp>
-          <p:nvSpPr>
-            <p:cNvPr id="36" name="楕円 35">
-              <a:extLst>
-                <a:ext uri="{FF2B5EF4-FFF2-40B4-BE49-F238E27FC236}">
-                  <a16:creationId xmlns:a16="http://schemas.microsoft.com/office/drawing/2014/main" id="{8E51DF4E-7F4E-48E9-92AC-A3D4C2A1F219}"/>
-                </a:ext>
-              </a:extLst>
-            </p:cNvPr>
-            <p:cNvSpPr/>
-            <p:nvPr/>
-          </p:nvSpPr>
-          <p:spPr>
-            <a:xfrm>
-              <a:off x="7708758" y="4947387"/>
-              <a:ext cx="2110210" cy="1225519"/>
-            </a:xfrm>
-            <a:prstGeom prst="ellipse">
-              <a:avLst/>
-            </a:prstGeom>
-            <a:noFill/>
-            <a:ln>
-              <a:solidFill>
-                <a:schemeClr val="tx1">
-                  <a:lumMod val="65000"/>
-                  <a:lumOff val="35000"/>
-                </a:schemeClr>
-              </a:solidFill>
-            </a:ln>
-          </p:spPr>
-          <p:style>
-            <a:lnRef idx="2">
-              <a:schemeClr val="dk1"/>
-            </a:lnRef>
-            <a:fillRef idx="1">
-              <a:schemeClr val="lt1"/>
-            </a:fillRef>
-            <a:effectRef idx="0">
-              <a:schemeClr val="dk1"/>
-            </a:effectRef>
-            <a:fontRef idx="minor">
-              <a:schemeClr val="dk1"/>
-            </a:fontRef>
-          </p:style>
-          <p:txBody>
-            <a:bodyPr rtlCol="0" anchor="ctr"/>
-            <a:lstStyle/>
-            <a:p>
-              <a:pPr algn="ctr"/>
-              <a:endParaRPr kumimoji="1" lang="ja-JP" altLang="en-US"/>
-            </a:p>
-          </p:txBody>
-        </p:sp>
         <p:pic>
           <p:nvPicPr>
             <p:cNvPr id="24" name="図 23" descr="電子機器 が含まれている画像&#10;&#10;高い精度で生成された説明">
@@ -6112,7 +6529,7 @@
           </p:blipFill>
           <p:spPr>
             <a:xfrm>
-              <a:off x="8395882" y="4808759"/>
+              <a:off x="8475394" y="4808759"/>
               <a:ext cx="923116" cy="1087958"/>
             </a:xfrm>
             <a:prstGeom prst="rect">
@@ -6121,59 +6538,6 @@
           </p:spPr>
         </p:pic>
       </p:grpSp>
-      <p:sp>
-        <p:nvSpPr>
-          <p:cNvPr id="33" name="楕円 32">
-            <a:extLst>
-              <a:ext uri="{FF2B5EF4-FFF2-40B4-BE49-F238E27FC236}">
-                <a16:creationId xmlns:a16="http://schemas.microsoft.com/office/drawing/2014/main" id="{AD8ABEF7-06D3-4620-83AE-C547A984482B}"/>
-              </a:ext>
-            </a:extLst>
-          </p:cNvPr>
-          <p:cNvSpPr/>
-          <p:nvPr/>
-        </p:nvSpPr>
-        <p:spPr>
-          <a:xfrm>
-            <a:off x="2060716" y="2119125"/>
-            <a:ext cx="2110210" cy="1225519"/>
-          </a:xfrm>
-          <a:prstGeom prst="ellipse">
-            <a:avLst/>
-          </a:prstGeom>
-          <a:noFill/>
-          <a:ln>
-            <a:solidFill>
-              <a:schemeClr val="tx1">
-                <a:lumMod val="65000"/>
-                <a:lumOff val="35000"/>
-              </a:schemeClr>
-            </a:solidFill>
-          </a:ln>
-        </p:spPr>
-        <p:style>
-          <a:lnRef idx="2">
-            <a:schemeClr val="dk1"/>
-          </a:lnRef>
-          <a:fillRef idx="1">
-            <a:schemeClr val="lt1"/>
-          </a:fillRef>
-          <a:effectRef idx="0">
-            <a:schemeClr val="dk1"/>
-          </a:effectRef>
-          <a:fontRef idx="minor">
-            <a:schemeClr val="dk1"/>
-          </a:fontRef>
-        </p:style>
-        <p:txBody>
-          <a:bodyPr rtlCol="0" anchor="ctr"/>
-          <a:lstStyle/>
-          <a:p>
-            <a:pPr algn="ctr"/>
-            <a:endParaRPr kumimoji="1" lang="ja-JP" altLang="en-US"/>
-          </a:p>
-        </p:txBody>
-      </p:sp>
       <p:grpSp>
         <p:nvGrpSpPr>
           <p:cNvPr id="76" name="グループ化 75">
@@ -6188,8 +6552,8 @@
         </p:nvGrpSpPr>
         <p:grpSpPr>
           <a:xfrm>
-            <a:off x="5013996" y="3405095"/>
-            <a:ext cx="2110210" cy="1519341"/>
+            <a:off x="4844292" y="1321903"/>
+            <a:ext cx="2605604" cy="1876022"/>
             <a:chOff x="5012329" y="3499284"/>
             <a:chExt cx="2110210" cy="1519341"/>
           </a:xfrm>
@@ -6215,7 +6579,7 @@
               <a:avLst/>
             </a:prstGeom>
             <a:noFill/>
-            <a:ln>
+            <a:ln w="19050">
               <a:solidFill>
                 <a:schemeClr val="tx1">
                   <a:lumMod val="65000"/>
@@ -6275,7 +6639,7 @@
           </p:blipFill>
           <p:spPr>
             <a:xfrm>
-              <a:off x="5187875" y="3499284"/>
+              <a:off x="5207753" y="3499284"/>
               <a:ext cx="857250" cy="1276350"/>
             </a:xfrm>
             <a:prstGeom prst="rect">
@@ -6311,7 +6675,7 @@
           </p:blipFill>
           <p:spPr>
             <a:xfrm>
-              <a:off x="6254383" y="3692539"/>
+              <a:off x="6234505" y="3692539"/>
               <a:ext cx="685800" cy="1028700"/>
             </a:xfrm>
             <a:prstGeom prst="rect">
@@ -6320,112 +6684,6 @@
           </p:spPr>
         </p:pic>
       </p:grpSp>
-      <p:sp>
-        <p:nvSpPr>
-          <p:cNvPr id="34" name="楕円 33">
-            <a:extLst>
-              <a:ext uri="{FF2B5EF4-FFF2-40B4-BE49-F238E27FC236}">
-                <a16:creationId xmlns:a16="http://schemas.microsoft.com/office/drawing/2014/main" id="{3AB194D1-77C6-40ED-8269-1616513A35C5}"/>
-              </a:ext>
-            </a:extLst>
-          </p:cNvPr>
-          <p:cNvSpPr/>
-          <p:nvPr/>
-        </p:nvSpPr>
-        <p:spPr>
-          <a:xfrm>
-            <a:off x="2060950" y="5052168"/>
-            <a:ext cx="2110210" cy="1225519"/>
-          </a:xfrm>
-          <a:prstGeom prst="ellipse">
-            <a:avLst/>
-          </a:prstGeom>
-          <a:noFill/>
-          <a:ln>
-            <a:solidFill>
-              <a:schemeClr val="tx1">
-                <a:lumMod val="65000"/>
-                <a:lumOff val="35000"/>
-              </a:schemeClr>
-            </a:solidFill>
-          </a:ln>
-        </p:spPr>
-        <p:style>
-          <a:lnRef idx="2">
-            <a:schemeClr val="dk1"/>
-          </a:lnRef>
-          <a:fillRef idx="1">
-            <a:schemeClr val="lt1"/>
-          </a:fillRef>
-          <a:effectRef idx="0">
-            <a:schemeClr val="dk1"/>
-          </a:effectRef>
-          <a:fontRef idx="minor">
-            <a:schemeClr val="dk1"/>
-          </a:fontRef>
-        </p:style>
-        <p:txBody>
-          <a:bodyPr rtlCol="0" anchor="ctr"/>
-          <a:lstStyle/>
-          <a:p>
-            <a:pPr algn="ctr"/>
-            <a:endParaRPr kumimoji="1" lang="ja-JP" altLang="en-US"/>
-          </a:p>
-        </p:txBody>
-      </p:sp>
-      <p:sp>
-        <p:nvSpPr>
-          <p:cNvPr id="35" name="楕円 34">
-            <a:extLst>
-              <a:ext uri="{FF2B5EF4-FFF2-40B4-BE49-F238E27FC236}">
-                <a16:creationId xmlns:a16="http://schemas.microsoft.com/office/drawing/2014/main" id="{61446742-BE9F-4B3A-91A1-50F42DA74821}"/>
-              </a:ext>
-            </a:extLst>
-          </p:cNvPr>
-          <p:cNvSpPr/>
-          <p:nvPr/>
-        </p:nvSpPr>
-        <p:spPr>
-          <a:xfrm flipH="1">
-            <a:off x="7996136" y="2117706"/>
-            <a:ext cx="2110210" cy="1225519"/>
-          </a:xfrm>
-          <a:prstGeom prst="ellipse">
-            <a:avLst/>
-          </a:prstGeom>
-          <a:noFill/>
-          <a:ln>
-            <a:solidFill>
-              <a:schemeClr val="tx1">
-                <a:lumMod val="65000"/>
-                <a:lumOff val="35000"/>
-              </a:schemeClr>
-            </a:solidFill>
-          </a:ln>
-        </p:spPr>
-        <p:style>
-          <a:lnRef idx="2">
-            <a:schemeClr val="dk1"/>
-          </a:lnRef>
-          <a:fillRef idx="1">
-            <a:schemeClr val="lt1"/>
-          </a:fillRef>
-          <a:effectRef idx="0">
-            <a:schemeClr val="dk1"/>
-          </a:effectRef>
-          <a:fontRef idx="minor">
-            <a:schemeClr val="dk1"/>
-          </a:fontRef>
-        </p:style>
-        <p:txBody>
-          <a:bodyPr rtlCol="0" anchor="ctr"/>
-          <a:lstStyle/>
-          <a:p>
-            <a:pPr algn="ctr"/>
-            <a:endParaRPr kumimoji="1" lang="ja-JP" altLang="en-US"/>
-          </a:p>
-        </p:txBody>
-      </p:sp>
       <p:pic>
         <p:nvPicPr>
           <p:cNvPr id="13" name="図 12">
@@ -6454,8 +6712,8 @@
         </p:blipFill>
         <p:spPr>
           <a:xfrm>
-            <a:off x="2633879" y="4681744"/>
-            <a:ext cx="992088" cy="1225519"/>
+            <a:off x="2827515" y="5146546"/>
+            <a:ext cx="833181" cy="1029222"/>
           </a:xfrm>
           <a:prstGeom prst="rect">
             <a:avLst/>
@@ -6476,7 +6734,7 @@
         </p:nvGrpSpPr>
         <p:grpSpPr>
           <a:xfrm>
-            <a:off x="4058355" y="4707207"/>
+            <a:off x="1455597" y="2815671"/>
             <a:ext cx="1088467" cy="646725"/>
             <a:chOff x="4090941" y="5752507"/>
             <a:chExt cx="1088467" cy="646725"/>
@@ -6556,190 +6814,6 @@
       </p:grpSp>
       <p:grpSp>
         <p:nvGrpSpPr>
-          <p:cNvPr id="69" name="グループ化 68">
-            <a:extLst>
-              <a:ext uri="{FF2B5EF4-FFF2-40B4-BE49-F238E27FC236}">
-                <a16:creationId xmlns:a16="http://schemas.microsoft.com/office/drawing/2014/main" id="{79D50717-CC1B-4915-A6D9-C2A4C82DF94B}"/>
-              </a:ext>
-            </a:extLst>
-          </p:cNvPr>
-          <p:cNvGrpSpPr/>
-          <p:nvPr/>
-        </p:nvGrpSpPr>
-        <p:grpSpPr>
-          <a:xfrm rot="10800000" flipH="1">
-            <a:off x="4157588" y="2932080"/>
-            <a:ext cx="1088467" cy="646725"/>
-            <a:chOff x="4090941" y="5752507"/>
-            <a:chExt cx="1088467" cy="646725"/>
-          </a:xfrm>
-        </p:grpSpPr>
-        <p:pic>
-          <p:nvPicPr>
-            <p:cNvPr id="70" name="図 69" descr="ナイフ, 武器 が含まれている画像&#10;&#10;非常に高い精度で生成された説明">
-              <a:extLst>
-                <a:ext uri="{FF2B5EF4-FFF2-40B4-BE49-F238E27FC236}">
-                  <a16:creationId xmlns:a16="http://schemas.microsoft.com/office/drawing/2014/main" id="{51FFEBA7-08EB-4C59-9DAE-8E6A51537BDB}"/>
-                </a:ext>
-              </a:extLst>
-            </p:cNvPr>
-            <p:cNvPicPr>
-              <a:picLocks noChangeAspect="1"/>
-            </p:cNvPicPr>
-            <p:nvPr/>
-          </p:nvPicPr>
-          <p:blipFill>
-            <a:blip r:embed="rId8">
-              <a:extLst>
-                <a:ext uri="{28A0092B-C50C-407E-A947-70E740481C1C}">
-                  <a14:useLocalDpi xmlns:a14="http://schemas.microsoft.com/office/drawing/2010/main" val="0"/>
-                </a:ext>
-              </a:extLst>
-            </a:blip>
-            <a:stretch>
-              <a:fillRect/>
-            </a:stretch>
-          </p:blipFill>
-          <p:spPr>
-            <a:xfrm flipH="1">
-              <a:off x="4436458" y="5752507"/>
-              <a:ext cx="742950" cy="447675"/>
-            </a:xfrm>
-            <a:prstGeom prst="rect">
-              <a:avLst/>
-            </a:prstGeom>
-          </p:spPr>
-        </p:pic>
-        <p:pic>
-          <p:nvPicPr>
-            <p:cNvPr id="71" name="図 70" descr="ナイフ, のこぎり, 動物, 武器 が含まれている画像&#10;&#10;非常に高い精度で生成された説明">
-              <a:extLst>
-                <a:ext uri="{FF2B5EF4-FFF2-40B4-BE49-F238E27FC236}">
-                  <a16:creationId xmlns:a16="http://schemas.microsoft.com/office/drawing/2014/main" id="{34D49713-7CFA-439C-BBD0-C29B18F07A22}"/>
-                </a:ext>
-              </a:extLst>
-            </p:cNvPr>
-            <p:cNvPicPr>
-              <a:picLocks noChangeAspect="1"/>
-            </p:cNvPicPr>
-            <p:nvPr/>
-          </p:nvPicPr>
-          <p:blipFill rotWithShape="1">
-            <a:blip r:embed="rId9">
-              <a:extLst>
-                <a:ext uri="{28A0092B-C50C-407E-A947-70E740481C1C}">
-                  <a14:useLocalDpi xmlns:a14="http://schemas.microsoft.com/office/drawing/2010/main" val="0"/>
-                </a:ext>
-              </a:extLst>
-            </a:blip>
-            <a:srcRect r="33490"/>
-            <a:stretch/>
-          </p:blipFill>
-          <p:spPr>
-            <a:xfrm>
-              <a:off x="4090941" y="5932507"/>
-              <a:ext cx="487796" cy="466725"/>
-            </a:xfrm>
-            <a:prstGeom prst="rect">
-              <a:avLst/>
-            </a:prstGeom>
-          </p:spPr>
-        </p:pic>
-      </p:grpSp>
-      <p:grpSp>
-        <p:nvGrpSpPr>
-          <p:cNvPr id="80" name="グループ化 79">
-            <a:extLst>
-              <a:ext uri="{FF2B5EF4-FFF2-40B4-BE49-F238E27FC236}">
-                <a16:creationId xmlns:a16="http://schemas.microsoft.com/office/drawing/2014/main" id="{9E620682-1645-4B49-955A-D23309833369}"/>
-              </a:ext>
-            </a:extLst>
-          </p:cNvPr>
-          <p:cNvGrpSpPr/>
-          <p:nvPr/>
-        </p:nvGrpSpPr>
-        <p:grpSpPr>
-          <a:xfrm rot="10800000">
-            <a:off x="6931346" y="2932081"/>
-            <a:ext cx="1088467" cy="646725"/>
-            <a:chOff x="4090941" y="5752507"/>
-            <a:chExt cx="1088467" cy="646725"/>
-          </a:xfrm>
-        </p:grpSpPr>
-        <p:pic>
-          <p:nvPicPr>
-            <p:cNvPr id="81" name="図 80" descr="ナイフ, 武器 が含まれている画像&#10;&#10;非常に高い精度で生成された説明">
-              <a:extLst>
-                <a:ext uri="{FF2B5EF4-FFF2-40B4-BE49-F238E27FC236}">
-                  <a16:creationId xmlns:a16="http://schemas.microsoft.com/office/drawing/2014/main" id="{F4DA2578-CD35-4CA5-8900-D7A917907D75}"/>
-                </a:ext>
-              </a:extLst>
-            </p:cNvPr>
-            <p:cNvPicPr>
-              <a:picLocks noChangeAspect="1"/>
-            </p:cNvPicPr>
-            <p:nvPr/>
-          </p:nvPicPr>
-          <p:blipFill>
-            <a:blip r:embed="rId8">
-              <a:extLst>
-                <a:ext uri="{28A0092B-C50C-407E-A947-70E740481C1C}">
-                  <a14:useLocalDpi xmlns:a14="http://schemas.microsoft.com/office/drawing/2010/main" val="0"/>
-                </a:ext>
-              </a:extLst>
-            </a:blip>
-            <a:stretch>
-              <a:fillRect/>
-            </a:stretch>
-          </p:blipFill>
-          <p:spPr>
-            <a:xfrm flipH="1">
-              <a:off x="4436458" y="5752507"/>
-              <a:ext cx="742950" cy="447675"/>
-            </a:xfrm>
-            <a:prstGeom prst="rect">
-              <a:avLst/>
-            </a:prstGeom>
-          </p:spPr>
-        </p:pic>
-        <p:pic>
-          <p:nvPicPr>
-            <p:cNvPr id="82" name="図 81" descr="ナイフ, のこぎり, 動物, 武器 が含まれている画像&#10;&#10;非常に高い精度で生成された説明">
-              <a:extLst>
-                <a:ext uri="{FF2B5EF4-FFF2-40B4-BE49-F238E27FC236}">
-                  <a16:creationId xmlns:a16="http://schemas.microsoft.com/office/drawing/2014/main" id="{272A57E4-76F4-41F9-AAE5-CCE783D08870}"/>
-                </a:ext>
-              </a:extLst>
-            </p:cNvPr>
-            <p:cNvPicPr>
-              <a:picLocks noChangeAspect="1"/>
-            </p:cNvPicPr>
-            <p:nvPr/>
-          </p:nvPicPr>
-          <p:blipFill rotWithShape="1">
-            <a:blip r:embed="rId9">
-              <a:extLst>
-                <a:ext uri="{28A0092B-C50C-407E-A947-70E740481C1C}">
-                  <a14:useLocalDpi xmlns:a14="http://schemas.microsoft.com/office/drawing/2010/main" val="0"/>
-                </a:ext>
-              </a:extLst>
-            </a:blip>
-            <a:srcRect r="33490"/>
-            <a:stretch/>
-          </p:blipFill>
-          <p:spPr>
-            <a:xfrm>
-              <a:off x="4090941" y="5932507"/>
-              <a:ext cx="487796" cy="466725"/>
-            </a:xfrm>
-            <a:prstGeom prst="rect">
-              <a:avLst/>
-            </a:prstGeom>
-          </p:spPr>
-        </p:pic>
-      </p:grpSp>
-      <p:grpSp>
-        <p:nvGrpSpPr>
           <p:cNvPr id="83" name="グループ化 82">
             <a:extLst>
               <a:ext uri="{FF2B5EF4-FFF2-40B4-BE49-F238E27FC236}">
@@ -6752,7 +6826,7 @@
         </p:nvGrpSpPr>
         <p:grpSpPr>
           <a:xfrm flipH="1">
-            <a:off x="7055593" y="4701640"/>
+            <a:off x="8535504" y="2814991"/>
             <a:ext cx="1088467" cy="646725"/>
             <a:chOff x="4090941" y="5752507"/>
             <a:chExt cx="1088467" cy="646725"/>
@@ -6832,10 +6906,10 @@
       </p:grpSp>
       <p:sp>
         <p:nvSpPr>
-          <p:cNvPr id="87" name="正方形/長方形 86">
-            <a:extLst>
-              <a:ext uri="{FF2B5EF4-FFF2-40B4-BE49-F238E27FC236}">
-                <a16:creationId xmlns:a16="http://schemas.microsoft.com/office/drawing/2014/main" id="{544D7B10-AAC0-473A-A351-E86C68206847}"/>
+          <p:cNvPr id="176" name="正方形/長方形 175">
+            <a:extLst>
+              <a:ext uri="{FF2B5EF4-FFF2-40B4-BE49-F238E27FC236}">
+                <a16:creationId xmlns:a16="http://schemas.microsoft.com/office/drawing/2014/main" id="{A7DC2EB9-3733-4BCD-A0CB-281E919B686E}"/>
               </a:ext>
             </a:extLst>
           </p:cNvPr>
@@ -6844,12 +6918,13 @@
         </p:nvSpPr>
         <p:spPr>
           <a:xfrm>
-            <a:off x="2557956" y="3130182"/>
-            <a:ext cx="1161478" cy="372533"/>
+            <a:off x="5705544" y="2996833"/>
+            <a:ext cx="883101" cy="372533"/>
           </a:xfrm>
           <a:prstGeom prst="rect">
             <a:avLst/>
           </a:prstGeom>
+          <a:ln w="19050"/>
         </p:spPr>
         <p:style>
           <a:lnRef idx="2">
@@ -6871,19 +6946,18 @@
           <a:p>
             <a:pPr algn="ctr"/>
             <a:r>
-              <a:rPr kumimoji="1" lang="en-US" altLang="ja-JP" b="1" dirty="0"/>
-              <a:t>Gathers'</a:t>
-            </a:r>
-            <a:endParaRPr kumimoji="1" lang="ja-JP" altLang="en-US" b="1" dirty="0"/>
+              <a:rPr kumimoji="1" lang="ja-JP" altLang="en-US" b="1" dirty="0"/>
+              <a:t>サーバ</a:t>
+            </a:r>
           </a:p>
         </p:txBody>
       </p:sp>
       <p:sp>
         <p:nvSpPr>
-          <p:cNvPr id="176" name="正方形/長方形 175">
-            <a:extLst>
-              <a:ext uri="{FF2B5EF4-FFF2-40B4-BE49-F238E27FC236}">
-                <a16:creationId xmlns:a16="http://schemas.microsoft.com/office/drawing/2014/main" id="{A7DC2EB9-3733-4BCD-A0CB-281E919B686E}"/>
+          <p:cNvPr id="183" name="正方形/長方形 182">
+            <a:extLst>
+              <a:ext uri="{FF2B5EF4-FFF2-40B4-BE49-F238E27FC236}">
+                <a16:creationId xmlns:a16="http://schemas.microsoft.com/office/drawing/2014/main" id="{8F4A2283-B985-47E2-9290-80345E2A86BA}"/>
               </a:ext>
             </a:extLst>
           </p:cNvPr>
@@ -6892,270 +6966,7 @@
         </p:nvSpPr>
         <p:spPr>
           <a:xfrm>
-            <a:off x="5649228" y="4738169"/>
-            <a:ext cx="883101" cy="372533"/>
-          </a:xfrm>
-          <a:prstGeom prst="rect">
-            <a:avLst/>
-          </a:prstGeom>
-        </p:spPr>
-        <p:style>
-          <a:lnRef idx="2">
-            <a:schemeClr val="dk1"/>
-          </a:lnRef>
-          <a:fillRef idx="1">
-            <a:schemeClr val="lt1"/>
-          </a:fillRef>
-          <a:effectRef idx="0">
-            <a:schemeClr val="dk1"/>
-          </a:effectRef>
-          <a:fontRef idx="minor">
-            <a:schemeClr val="dk1"/>
-          </a:fontRef>
-        </p:style>
-        <p:txBody>
-          <a:bodyPr rtlCol="0" anchor="ctr"/>
-          <a:lstStyle/>
-          <a:p>
-            <a:pPr algn="ctr"/>
-            <a:r>
-              <a:rPr kumimoji="1" lang="ja-JP" altLang="en-US" b="1" dirty="0"/>
-              <a:t>サーバ</a:t>
-            </a:r>
-          </a:p>
-        </p:txBody>
-      </p:sp>
-      <p:pic>
-        <p:nvPicPr>
-          <p:cNvPr id="177" name="図 176">
-            <a:extLst>
-              <a:ext uri="{FF2B5EF4-FFF2-40B4-BE49-F238E27FC236}">
-                <a16:creationId xmlns:a16="http://schemas.microsoft.com/office/drawing/2014/main" id="{31C0FF3C-85A2-4FB9-AC12-BFB61FC4BB19}"/>
-              </a:ext>
-            </a:extLst>
-          </p:cNvPr>
-          <p:cNvPicPr>
-            <a:picLocks noChangeAspect="1"/>
-          </p:cNvPicPr>
-          <p:nvPr/>
-        </p:nvPicPr>
-        <p:blipFill>
-          <a:blip r:embed="rId7">
-            <a:extLst>
-              <a:ext uri="{28A0092B-C50C-407E-A947-70E740481C1C}">
-                <a14:useLocalDpi xmlns:a14="http://schemas.microsoft.com/office/drawing/2010/main" val="0"/>
-              </a:ext>
-            </a:extLst>
-          </a:blip>
-          <a:stretch>
-            <a:fillRect/>
-          </a:stretch>
-        </p:blipFill>
-        <p:spPr>
-          <a:xfrm>
-            <a:off x="2629003" y="1742165"/>
-            <a:ext cx="992088" cy="1225519"/>
-          </a:xfrm>
-          <a:prstGeom prst="rect">
-            <a:avLst/>
-          </a:prstGeom>
-        </p:spPr>
-      </p:pic>
-      <p:pic>
-        <p:nvPicPr>
-          <p:cNvPr id="178" name="図 177">
-            <a:extLst>
-              <a:ext uri="{FF2B5EF4-FFF2-40B4-BE49-F238E27FC236}">
-                <a16:creationId xmlns:a16="http://schemas.microsoft.com/office/drawing/2014/main" id="{1F68B32E-A19F-4889-BC64-BCDC204D5FD9}"/>
-              </a:ext>
-            </a:extLst>
-          </p:cNvPr>
-          <p:cNvPicPr>
-            <a:picLocks noChangeAspect="1"/>
-          </p:cNvPicPr>
-          <p:nvPr/>
-        </p:nvPicPr>
-        <p:blipFill>
-          <a:blip r:embed="rId7">
-            <a:extLst>
-              <a:ext uri="{28A0092B-C50C-407E-A947-70E740481C1C}">
-                <a14:useLocalDpi xmlns:a14="http://schemas.microsoft.com/office/drawing/2010/main" val="0"/>
-              </a:ext>
-            </a:extLst>
-          </a:blip>
-          <a:stretch>
-            <a:fillRect/>
-          </a:stretch>
-        </p:blipFill>
-        <p:spPr>
-          <a:xfrm flipH="1">
-            <a:off x="8510872" y="1742166"/>
-            <a:ext cx="992088" cy="1225519"/>
-          </a:xfrm>
-          <a:prstGeom prst="rect">
-            <a:avLst/>
-          </a:prstGeom>
-        </p:spPr>
-      </p:pic>
-      <p:sp>
-        <p:nvSpPr>
-          <p:cNvPr id="180" name="正方形/長方形 179">
-            <a:extLst>
-              <a:ext uri="{FF2B5EF4-FFF2-40B4-BE49-F238E27FC236}">
-                <a16:creationId xmlns:a16="http://schemas.microsoft.com/office/drawing/2014/main" id="{FF0D0430-C3AD-4426-8F7E-F70882CA2620}"/>
-              </a:ext>
-            </a:extLst>
-          </p:cNvPr>
-          <p:cNvSpPr/>
-          <p:nvPr/>
-        </p:nvSpPr>
-        <p:spPr>
-          <a:xfrm>
-            <a:off x="2557956" y="6091142"/>
-            <a:ext cx="1161478" cy="372533"/>
-          </a:xfrm>
-          <a:prstGeom prst="rect">
-            <a:avLst/>
-          </a:prstGeom>
-        </p:spPr>
-        <p:style>
-          <a:lnRef idx="2">
-            <a:schemeClr val="dk1"/>
-          </a:lnRef>
-          <a:fillRef idx="1">
-            <a:schemeClr val="lt1"/>
-          </a:fillRef>
-          <a:effectRef idx="0">
-            <a:schemeClr val="dk1"/>
-          </a:effectRef>
-          <a:fontRef idx="minor">
-            <a:schemeClr val="dk1"/>
-          </a:fontRef>
-        </p:style>
-        <p:txBody>
-          <a:bodyPr rtlCol="0" anchor="ctr"/>
-          <a:lstStyle/>
-          <a:p>
-            <a:pPr algn="ctr"/>
-            <a:r>
-              <a:rPr kumimoji="1" lang="en-US" altLang="ja-JP" b="1" dirty="0"/>
-              <a:t>Gathers'</a:t>
-            </a:r>
-            <a:endParaRPr kumimoji="1" lang="ja-JP" altLang="en-US" b="1" dirty="0"/>
-          </a:p>
-        </p:txBody>
-      </p:sp>
-      <p:sp>
-        <p:nvSpPr>
-          <p:cNvPr id="181" name="正方形/長方形 180">
-            <a:extLst>
-              <a:ext uri="{FF2B5EF4-FFF2-40B4-BE49-F238E27FC236}">
-                <a16:creationId xmlns:a16="http://schemas.microsoft.com/office/drawing/2014/main" id="{0EE1B5C8-BC03-4CAB-8366-4572FC4FAFB6}"/>
-              </a:ext>
-            </a:extLst>
-          </p:cNvPr>
-          <p:cNvSpPr/>
-          <p:nvPr/>
-        </p:nvSpPr>
-        <p:spPr>
-          <a:xfrm>
-            <a:off x="8466585" y="6091142"/>
-            <a:ext cx="1161478" cy="372533"/>
-          </a:xfrm>
-          <a:prstGeom prst="rect">
-            <a:avLst/>
-          </a:prstGeom>
-        </p:spPr>
-        <p:style>
-          <a:lnRef idx="2">
-            <a:schemeClr val="dk1"/>
-          </a:lnRef>
-          <a:fillRef idx="1">
-            <a:schemeClr val="lt1"/>
-          </a:fillRef>
-          <a:effectRef idx="0">
-            <a:schemeClr val="dk1"/>
-          </a:effectRef>
-          <a:fontRef idx="minor">
-            <a:schemeClr val="dk1"/>
-          </a:fontRef>
-        </p:style>
-        <p:txBody>
-          <a:bodyPr rtlCol="0" anchor="ctr"/>
-          <a:lstStyle/>
-          <a:p>
-            <a:pPr algn="ctr"/>
-            <a:r>
-              <a:rPr kumimoji="1" lang="en-US" altLang="ja-JP" b="1" dirty="0"/>
-              <a:t>Gathers'</a:t>
-            </a:r>
-            <a:endParaRPr kumimoji="1" lang="ja-JP" altLang="en-US" b="1" dirty="0"/>
-          </a:p>
-        </p:txBody>
-      </p:sp>
-      <p:sp>
-        <p:nvSpPr>
-          <p:cNvPr id="182" name="正方形/長方形 181">
-            <a:extLst>
-              <a:ext uri="{FF2B5EF4-FFF2-40B4-BE49-F238E27FC236}">
-                <a16:creationId xmlns:a16="http://schemas.microsoft.com/office/drawing/2014/main" id="{0E80BFCE-5930-4FF6-8DF5-007DB264DF23}"/>
-              </a:ext>
-            </a:extLst>
-          </p:cNvPr>
-          <p:cNvSpPr/>
-          <p:nvPr/>
-        </p:nvSpPr>
-        <p:spPr>
-          <a:xfrm>
-            <a:off x="8466585" y="3130182"/>
-            <a:ext cx="1161478" cy="372533"/>
-          </a:xfrm>
-          <a:prstGeom prst="rect">
-            <a:avLst/>
-          </a:prstGeom>
-        </p:spPr>
-        <p:style>
-          <a:lnRef idx="2">
-            <a:schemeClr val="dk1"/>
-          </a:lnRef>
-          <a:fillRef idx="1">
-            <a:schemeClr val="lt1"/>
-          </a:fillRef>
-          <a:effectRef idx="0">
-            <a:schemeClr val="dk1"/>
-          </a:effectRef>
-          <a:fontRef idx="minor">
-            <a:schemeClr val="dk1"/>
-          </a:fontRef>
-        </p:style>
-        <p:txBody>
-          <a:bodyPr rtlCol="0" anchor="ctr"/>
-          <a:lstStyle/>
-          <a:p>
-            <a:pPr algn="ctr"/>
-            <a:r>
-              <a:rPr kumimoji="1" lang="en-US" altLang="ja-JP" b="1" dirty="0"/>
-              <a:t>Gathers'</a:t>
-            </a:r>
-            <a:endParaRPr kumimoji="1" lang="ja-JP" altLang="en-US" b="1" dirty="0"/>
-          </a:p>
-        </p:txBody>
-      </p:sp>
-      <p:sp>
-        <p:nvSpPr>
-          <p:cNvPr id="183" name="正方形/長方形 182">
-            <a:extLst>
-              <a:ext uri="{FF2B5EF4-FFF2-40B4-BE49-F238E27FC236}">
-                <a16:creationId xmlns:a16="http://schemas.microsoft.com/office/drawing/2014/main" id="{8F4A2283-B985-47E2-9290-80345E2A86BA}"/>
-              </a:ext>
-            </a:extLst>
-          </p:cNvPr>
-          <p:cNvSpPr/>
-          <p:nvPr/>
-        </p:nvSpPr>
-        <p:spPr>
-          <a:xfrm>
-            <a:off x="1229762" y="1850378"/>
+            <a:off x="1457957" y="5634093"/>
             <a:ext cx="1161478" cy="372533"/>
           </a:xfrm>
           <a:prstGeom prst="rect">
@@ -7206,7 +7017,7 @@
         </p:nvSpPr>
         <p:spPr>
           <a:xfrm>
-            <a:off x="9930032" y="4913262"/>
+            <a:off x="9801367" y="4127015"/>
             <a:ext cx="1340678" cy="372533"/>
           </a:xfrm>
           <a:prstGeom prst="rect">
@@ -7237,17 +7048,602 @@
           <a:p>
             <a:pPr algn="ctr"/>
             <a:r>
-              <a:rPr lang="ja-JP" altLang="en-US" b="1" u="sng" dirty="0"/>
-              <a:t>教員的存在</a:t>
-            </a:r>
-            <a:endParaRPr kumimoji="1" lang="ja-JP" altLang="en-US" b="1" u="sng" dirty="0"/>
+              <a:rPr kumimoji="1" lang="ja-JP" altLang="en-US" b="1" u="sng" dirty="0"/>
+              <a:t>指導者</a:t>
+            </a:r>
           </a:p>
         </p:txBody>
       </p:sp>
+      <p:sp>
+        <p:nvSpPr>
+          <p:cNvPr id="63" name="テキスト ボックス 62">
+            <a:extLst>
+              <a:ext uri="{FF2B5EF4-FFF2-40B4-BE49-F238E27FC236}">
+                <a16:creationId xmlns:a16="http://schemas.microsoft.com/office/drawing/2014/main" id="{26112925-6C6F-4489-8E40-BD8D7EB2B3E7}"/>
+              </a:ext>
+            </a:extLst>
+          </p:cNvPr>
+          <p:cNvSpPr txBox="1"/>
+          <p:nvPr/>
+        </p:nvSpPr>
+        <p:spPr>
+          <a:xfrm>
+            <a:off x="4176566" y="3804032"/>
+            <a:ext cx="3912330" cy="523220"/>
+          </a:xfrm>
+          <a:prstGeom prst="rect">
+            <a:avLst/>
+          </a:prstGeom>
+          <a:ln w="9525">
+            <a:solidFill>
+              <a:schemeClr val="tx1"/>
+            </a:solidFill>
+          </a:ln>
+        </p:spPr>
+        <p:style>
+          <a:lnRef idx="2">
+            <a:schemeClr val="accent2">
+              <a:shade val="50000"/>
+            </a:schemeClr>
+          </a:lnRef>
+          <a:fillRef idx="1">
+            <a:schemeClr val="accent2"/>
+          </a:fillRef>
+          <a:effectRef idx="0">
+            <a:schemeClr val="accent2"/>
+          </a:effectRef>
+          <a:fontRef idx="minor">
+            <a:schemeClr val="lt1"/>
+          </a:fontRef>
+        </p:style>
+        <p:txBody>
+          <a:bodyPr wrap="square" rtlCol="0">
+            <a:spAutoFit/>
+          </a:bodyPr>
+          <a:lstStyle/>
+          <a:p>
+            <a:pPr algn="ctr"/>
+            <a:r>
+              <a:rPr kumimoji="1" lang="ja-JP" altLang="en-US" sz="2800" b="1" dirty="0"/>
+              <a:t>ソースコード共有機能</a:t>
+            </a:r>
+          </a:p>
+        </p:txBody>
+      </p:sp>
+      <p:sp>
+        <p:nvSpPr>
+          <p:cNvPr id="64" name="テキスト ボックス 63">
+            <a:extLst>
+              <a:ext uri="{FF2B5EF4-FFF2-40B4-BE49-F238E27FC236}">
+                <a16:creationId xmlns:a16="http://schemas.microsoft.com/office/drawing/2014/main" id="{CDB3D9E8-412D-4BE4-8CBF-0A1BDBB3DFE3}"/>
+              </a:ext>
+            </a:extLst>
+          </p:cNvPr>
+          <p:cNvSpPr txBox="1"/>
+          <p:nvPr/>
+        </p:nvSpPr>
+        <p:spPr>
+          <a:xfrm>
+            <a:off x="4338701" y="4389694"/>
+            <a:ext cx="3606502" cy="523220"/>
+          </a:xfrm>
+          <a:prstGeom prst="rect">
+            <a:avLst/>
+          </a:prstGeom>
+          <a:ln w="9525">
+            <a:solidFill>
+              <a:schemeClr val="tx1"/>
+            </a:solidFill>
+          </a:ln>
+        </p:spPr>
+        <p:style>
+          <a:lnRef idx="2">
+            <a:schemeClr val="accent5">
+              <a:shade val="50000"/>
+            </a:schemeClr>
+          </a:lnRef>
+          <a:fillRef idx="1">
+            <a:schemeClr val="accent5"/>
+          </a:fillRef>
+          <a:effectRef idx="0">
+            <a:schemeClr val="accent5"/>
+          </a:effectRef>
+          <a:fontRef idx="minor">
+            <a:schemeClr val="lt1"/>
+          </a:fontRef>
+        </p:style>
+        <p:txBody>
+          <a:bodyPr wrap="square" rtlCol="0">
+            <a:spAutoFit/>
+          </a:bodyPr>
+          <a:lstStyle/>
+          <a:p>
+            <a:pPr algn="ctr"/>
+            <a:r>
+              <a:rPr lang="ja-JP" altLang="en-US" sz="2800" b="1" dirty="0"/>
+              <a:t>問題作成・公開機能</a:t>
+            </a:r>
+          </a:p>
+        </p:txBody>
+      </p:sp>
+      <p:sp>
+        <p:nvSpPr>
+          <p:cNvPr id="66" name="テキスト ボックス 65">
+            <a:extLst>
+              <a:ext uri="{FF2B5EF4-FFF2-40B4-BE49-F238E27FC236}">
+                <a16:creationId xmlns:a16="http://schemas.microsoft.com/office/drawing/2014/main" id="{306C48D2-6F0B-4134-86F7-449774443E0B}"/>
+              </a:ext>
+            </a:extLst>
+          </p:cNvPr>
+          <p:cNvSpPr txBox="1"/>
+          <p:nvPr/>
+        </p:nvSpPr>
+        <p:spPr>
+          <a:xfrm>
+            <a:off x="4908598" y="4965731"/>
+            <a:ext cx="2466707" cy="523220"/>
+          </a:xfrm>
+          <a:prstGeom prst="rect">
+            <a:avLst/>
+          </a:prstGeom>
+          <a:ln w="9525">
+            <a:solidFill>
+              <a:schemeClr val="tx1"/>
+            </a:solidFill>
+          </a:ln>
+        </p:spPr>
+        <p:style>
+          <a:lnRef idx="2">
+            <a:schemeClr val="accent6">
+              <a:shade val="50000"/>
+            </a:schemeClr>
+          </a:lnRef>
+          <a:fillRef idx="1">
+            <a:schemeClr val="accent6"/>
+          </a:fillRef>
+          <a:effectRef idx="0">
+            <a:schemeClr val="accent6"/>
+          </a:effectRef>
+          <a:fontRef idx="minor">
+            <a:schemeClr val="lt1"/>
+          </a:fontRef>
+        </p:style>
+        <p:txBody>
+          <a:bodyPr wrap="square" rtlCol="0">
+            <a:spAutoFit/>
+          </a:bodyPr>
+          <a:lstStyle/>
+          <a:p>
+            <a:pPr algn="ctr"/>
+            <a:r>
+              <a:rPr kumimoji="1" lang="ja-JP" altLang="en-US" sz="2800" b="1" dirty="0"/>
+              <a:t>スレッド機能</a:t>
+            </a:r>
+          </a:p>
+        </p:txBody>
+      </p:sp>
+      <p:sp>
+        <p:nvSpPr>
+          <p:cNvPr id="72" name="テキスト ボックス 71">
+            <a:extLst>
+              <a:ext uri="{FF2B5EF4-FFF2-40B4-BE49-F238E27FC236}">
+                <a16:creationId xmlns:a16="http://schemas.microsoft.com/office/drawing/2014/main" id="{2C204946-3A50-4FC5-85B2-A6E2E9F1FA25}"/>
+              </a:ext>
+            </a:extLst>
+          </p:cNvPr>
+          <p:cNvSpPr txBox="1"/>
+          <p:nvPr/>
+        </p:nvSpPr>
+        <p:spPr>
+          <a:xfrm>
+            <a:off x="4252364" y="5558527"/>
+            <a:ext cx="3895259" cy="523220"/>
+          </a:xfrm>
+          <a:prstGeom prst="rect">
+            <a:avLst/>
+          </a:prstGeom>
+          <a:ln w="9525">
+            <a:solidFill>
+              <a:schemeClr val="tx1"/>
+            </a:solidFill>
+          </a:ln>
+        </p:spPr>
+        <p:style>
+          <a:lnRef idx="3">
+            <a:schemeClr val="lt1"/>
+          </a:lnRef>
+          <a:fillRef idx="1">
+            <a:schemeClr val="accent4"/>
+          </a:fillRef>
+          <a:effectRef idx="1">
+            <a:schemeClr val="accent4"/>
+          </a:effectRef>
+          <a:fontRef idx="minor">
+            <a:schemeClr val="lt1"/>
+          </a:fontRef>
+        </p:style>
+        <p:txBody>
+          <a:bodyPr wrap="square" rtlCol="0">
+            <a:spAutoFit/>
+          </a:bodyPr>
+          <a:lstStyle/>
+          <a:p>
+            <a:pPr algn="ctr"/>
+            <a:r>
+              <a:rPr lang="ja-JP" altLang="en-US" sz="2800" b="1" dirty="0"/>
+              <a:t>リファレンス共有機能</a:t>
+            </a:r>
+            <a:endParaRPr kumimoji="1" lang="ja-JP" altLang="en-US" sz="2800" b="1" dirty="0"/>
+          </a:p>
+        </p:txBody>
+      </p:sp>
+      <p:sp>
+        <p:nvSpPr>
+          <p:cNvPr id="73" name="正方形/長方形 72">
+            <a:extLst>
+              <a:ext uri="{FF2B5EF4-FFF2-40B4-BE49-F238E27FC236}">
+                <a16:creationId xmlns:a16="http://schemas.microsoft.com/office/drawing/2014/main" id="{9B53B7AB-E42E-4C06-B392-3300D2091D9F}"/>
+              </a:ext>
+            </a:extLst>
+          </p:cNvPr>
+          <p:cNvSpPr/>
+          <p:nvPr/>
+        </p:nvSpPr>
+        <p:spPr>
+          <a:xfrm flipH="1">
+            <a:off x="4036883" y="3645975"/>
+            <a:ext cx="4209497" cy="2818116"/>
+          </a:xfrm>
+          <a:prstGeom prst="rect">
+            <a:avLst/>
+          </a:prstGeom>
+          <a:noFill/>
+          <a:ln w="28575">
+            <a:solidFill>
+              <a:schemeClr val="tx1"/>
+            </a:solidFill>
+          </a:ln>
+        </p:spPr>
+        <p:style>
+          <a:lnRef idx="2">
+            <a:schemeClr val="accent1">
+              <a:shade val="50000"/>
+            </a:schemeClr>
+          </a:lnRef>
+          <a:fillRef idx="1">
+            <a:schemeClr val="accent1"/>
+          </a:fillRef>
+          <a:effectRef idx="0">
+            <a:schemeClr val="accent1"/>
+          </a:effectRef>
+          <a:fontRef idx="minor">
+            <a:schemeClr val="lt1"/>
+          </a:fontRef>
+        </p:style>
+        <p:txBody>
+          <a:bodyPr rtlCol="0" anchor="ctr"/>
+          <a:lstStyle/>
+          <a:p>
+            <a:pPr algn="ctr"/>
+            <a:endParaRPr kumimoji="1" lang="ja-JP" altLang="en-US"/>
+          </a:p>
+        </p:txBody>
+      </p:sp>
+      <p:sp>
+        <p:nvSpPr>
+          <p:cNvPr id="54" name="正方形/長方形 53">
+            <a:extLst>
+              <a:ext uri="{FF2B5EF4-FFF2-40B4-BE49-F238E27FC236}">
+                <a16:creationId xmlns:a16="http://schemas.microsoft.com/office/drawing/2014/main" id="{202465F7-CBAD-484C-885E-2CB51CB73083}"/>
+              </a:ext>
+            </a:extLst>
+          </p:cNvPr>
+          <p:cNvSpPr/>
+          <p:nvPr/>
+        </p:nvSpPr>
+        <p:spPr>
+          <a:xfrm flipH="1">
+            <a:off x="5441957" y="6259980"/>
+            <a:ext cx="1399345" cy="410292"/>
+          </a:xfrm>
+          <a:prstGeom prst="rect">
+            <a:avLst/>
+          </a:prstGeom>
+          <a:ln w="28575"/>
+        </p:spPr>
+        <p:style>
+          <a:lnRef idx="2">
+            <a:schemeClr val="dk1"/>
+          </a:lnRef>
+          <a:fillRef idx="1">
+            <a:schemeClr val="lt1"/>
+          </a:fillRef>
+          <a:effectRef idx="0">
+            <a:schemeClr val="dk1"/>
+          </a:effectRef>
+          <a:fontRef idx="minor">
+            <a:schemeClr val="dk1"/>
+          </a:fontRef>
+        </p:style>
+        <p:txBody>
+          <a:bodyPr rtlCol="0" anchor="ctr"/>
+          <a:lstStyle/>
+          <a:p>
+            <a:pPr algn="ctr"/>
+            <a:r>
+              <a:rPr kumimoji="1" lang="en-US" altLang="ja-JP" sz="2000" b="1" dirty="0">
+                <a:latin typeface="HGP明朝E" panose="02020900000000000000" pitchFamily="18" charset="-128"/>
+                <a:ea typeface="HGP明朝E" panose="02020900000000000000" pitchFamily="18" charset="-128"/>
+              </a:rPr>
+              <a:t>Gathers'</a:t>
+            </a:r>
+            <a:endParaRPr kumimoji="1" lang="ja-JP" altLang="en-US" sz="2000" b="1" dirty="0">
+              <a:latin typeface="HGP明朝E" panose="02020900000000000000" pitchFamily="18" charset="-128"/>
+              <a:ea typeface="HGP明朝E" panose="02020900000000000000" pitchFamily="18" charset="-128"/>
+            </a:endParaRPr>
+          </a:p>
+        </p:txBody>
+      </p:sp>
+      <p:pic>
+        <p:nvPicPr>
+          <p:cNvPr id="74" name="図 73">
+            <a:extLst>
+              <a:ext uri="{FF2B5EF4-FFF2-40B4-BE49-F238E27FC236}">
+                <a16:creationId xmlns:a16="http://schemas.microsoft.com/office/drawing/2014/main" id="{68D823D8-88DD-482E-A9B6-77EFFDD2B4EA}"/>
+              </a:ext>
+            </a:extLst>
+          </p:cNvPr>
+          <p:cNvPicPr>
+            <a:picLocks noChangeAspect="1"/>
+          </p:cNvPicPr>
+          <p:nvPr/>
+        </p:nvPicPr>
+        <p:blipFill>
+          <a:blip r:embed="rId7">
+            <a:extLst>
+              <a:ext uri="{28A0092B-C50C-407E-A947-70E740481C1C}">
+                <a14:useLocalDpi xmlns:a14="http://schemas.microsoft.com/office/drawing/2010/main" val="0"/>
+              </a:ext>
+            </a:extLst>
+          </a:blip>
+          <a:stretch>
+            <a:fillRect/>
+          </a:stretch>
+        </p:blipFill>
+        <p:spPr>
+          <a:xfrm>
+            <a:off x="2440135" y="4010791"/>
+            <a:ext cx="809464" cy="999925"/>
+          </a:xfrm>
+          <a:prstGeom prst="rect">
+            <a:avLst/>
+          </a:prstGeom>
+        </p:spPr>
+      </p:pic>
+      <p:pic>
+        <p:nvPicPr>
+          <p:cNvPr id="29" name="図 28">
+            <a:extLst>
+              <a:ext uri="{FF2B5EF4-FFF2-40B4-BE49-F238E27FC236}">
+                <a16:creationId xmlns:a16="http://schemas.microsoft.com/office/drawing/2014/main" id="{525E61E2-FFD7-4701-86D9-3E96A8F67463}"/>
+              </a:ext>
+            </a:extLst>
+          </p:cNvPr>
+          <p:cNvPicPr>
+            <a:picLocks noChangeAspect="1"/>
+          </p:cNvPicPr>
+          <p:nvPr/>
+        </p:nvPicPr>
+        <p:blipFill>
+          <a:blip r:embed="rId7">
+            <a:extLst>
+              <a:ext uri="{28A0092B-C50C-407E-A947-70E740481C1C}">
+                <a14:useLocalDpi xmlns:a14="http://schemas.microsoft.com/office/drawing/2010/main" val="0"/>
+              </a:ext>
+            </a:extLst>
+          </a:blip>
+          <a:stretch>
+            <a:fillRect/>
+          </a:stretch>
+        </p:blipFill>
+        <p:spPr>
+          <a:xfrm>
+            <a:off x="1242783" y="4350815"/>
+            <a:ext cx="809464" cy="999925"/>
+          </a:xfrm>
+          <a:prstGeom prst="rect">
+            <a:avLst/>
+          </a:prstGeom>
+        </p:spPr>
+      </p:pic>
+      <p:grpSp>
+        <p:nvGrpSpPr>
+          <p:cNvPr id="36" name="グループ化 35">
+            <a:extLst>
+              <a:ext uri="{FF2B5EF4-FFF2-40B4-BE49-F238E27FC236}">
+                <a16:creationId xmlns:a16="http://schemas.microsoft.com/office/drawing/2014/main" id="{D09C1CD0-E8E9-425B-B8B6-C7B98C2E863B}"/>
+              </a:ext>
+            </a:extLst>
+          </p:cNvPr>
+          <p:cNvGrpSpPr/>
+          <p:nvPr/>
+        </p:nvGrpSpPr>
+        <p:grpSpPr>
+          <a:xfrm>
+            <a:off x="3603823" y="2814991"/>
+            <a:ext cx="1088467" cy="646725"/>
+            <a:chOff x="4090941" y="5752507"/>
+            <a:chExt cx="1088467" cy="646725"/>
+          </a:xfrm>
+        </p:grpSpPr>
+        <p:pic>
+          <p:nvPicPr>
+            <p:cNvPr id="37" name="図 36" descr="ナイフ, 武器 が含まれている画像&#10;&#10;非常に高い精度で生成された説明">
+              <a:extLst>
+                <a:ext uri="{FF2B5EF4-FFF2-40B4-BE49-F238E27FC236}">
+                  <a16:creationId xmlns:a16="http://schemas.microsoft.com/office/drawing/2014/main" id="{CCC0F1DC-05A0-49DF-AC1F-2B7577584D83}"/>
+                </a:ext>
+              </a:extLst>
+            </p:cNvPr>
+            <p:cNvPicPr>
+              <a:picLocks noChangeAspect="1"/>
+            </p:cNvPicPr>
+            <p:nvPr/>
+          </p:nvPicPr>
+          <p:blipFill>
+            <a:blip r:embed="rId8">
+              <a:extLst>
+                <a:ext uri="{28A0092B-C50C-407E-A947-70E740481C1C}">
+                  <a14:useLocalDpi xmlns:a14="http://schemas.microsoft.com/office/drawing/2010/main" val="0"/>
+                </a:ext>
+              </a:extLst>
+            </a:blip>
+            <a:stretch>
+              <a:fillRect/>
+            </a:stretch>
+          </p:blipFill>
+          <p:spPr>
+            <a:xfrm flipH="1">
+              <a:off x="4436458" y="5752507"/>
+              <a:ext cx="742950" cy="447675"/>
+            </a:xfrm>
+            <a:prstGeom prst="rect">
+              <a:avLst/>
+            </a:prstGeom>
+          </p:spPr>
+        </p:pic>
+        <p:pic>
+          <p:nvPicPr>
+            <p:cNvPr id="38" name="図 37" descr="ナイフ, のこぎり, 動物, 武器 が含まれている画像&#10;&#10;非常に高い精度で生成された説明">
+              <a:extLst>
+                <a:ext uri="{FF2B5EF4-FFF2-40B4-BE49-F238E27FC236}">
+                  <a16:creationId xmlns:a16="http://schemas.microsoft.com/office/drawing/2014/main" id="{BD83BC88-C8C8-4A86-8076-31A517824511}"/>
+                </a:ext>
+              </a:extLst>
+            </p:cNvPr>
+            <p:cNvPicPr>
+              <a:picLocks noChangeAspect="1"/>
+            </p:cNvPicPr>
+            <p:nvPr/>
+          </p:nvPicPr>
+          <p:blipFill rotWithShape="1">
+            <a:blip r:embed="rId9">
+              <a:extLst>
+                <a:ext uri="{28A0092B-C50C-407E-A947-70E740481C1C}">
+                  <a14:useLocalDpi xmlns:a14="http://schemas.microsoft.com/office/drawing/2010/main" val="0"/>
+                </a:ext>
+              </a:extLst>
+            </a:blip>
+            <a:srcRect r="33490"/>
+            <a:stretch/>
+          </p:blipFill>
+          <p:spPr>
+            <a:xfrm>
+              <a:off x="4090941" y="5932507"/>
+              <a:ext cx="487796" cy="466725"/>
+            </a:xfrm>
+            <a:prstGeom prst="rect">
+              <a:avLst/>
+            </a:prstGeom>
+          </p:spPr>
+        </p:pic>
+      </p:grpSp>
+      <p:grpSp>
+        <p:nvGrpSpPr>
+          <p:cNvPr id="39" name="グループ化 38">
+            <a:extLst>
+              <a:ext uri="{FF2B5EF4-FFF2-40B4-BE49-F238E27FC236}">
+                <a16:creationId xmlns:a16="http://schemas.microsoft.com/office/drawing/2014/main" id="{31CB1EED-FB99-433A-8D38-0A1449A85CEF}"/>
+              </a:ext>
+            </a:extLst>
+          </p:cNvPr>
+          <p:cNvGrpSpPr/>
+          <p:nvPr/>
+        </p:nvGrpSpPr>
+        <p:grpSpPr>
+          <a:xfrm>
+            <a:off x="2558998" y="2814991"/>
+            <a:ext cx="1088467" cy="646725"/>
+            <a:chOff x="4090941" y="5752507"/>
+            <a:chExt cx="1088467" cy="646725"/>
+          </a:xfrm>
+        </p:grpSpPr>
+        <p:pic>
+          <p:nvPicPr>
+            <p:cNvPr id="40" name="図 39" descr="ナイフ, 武器 が含まれている画像&#10;&#10;非常に高い精度で生成された説明">
+              <a:extLst>
+                <a:ext uri="{FF2B5EF4-FFF2-40B4-BE49-F238E27FC236}">
+                  <a16:creationId xmlns:a16="http://schemas.microsoft.com/office/drawing/2014/main" id="{0B03D015-7AE2-4FE8-8E51-17016A6B4E8E}"/>
+                </a:ext>
+              </a:extLst>
+            </p:cNvPr>
+            <p:cNvPicPr>
+              <a:picLocks noChangeAspect="1"/>
+            </p:cNvPicPr>
+            <p:nvPr/>
+          </p:nvPicPr>
+          <p:blipFill>
+            <a:blip r:embed="rId8">
+              <a:extLst>
+                <a:ext uri="{28A0092B-C50C-407E-A947-70E740481C1C}">
+                  <a14:useLocalDpi xmlns:a14="http://schemas.microsoft.com/office/drawing/2010/main" val="0"/>
+                </a:ext>
+              </a:extLst>
+            </a:blip>
+            <a:stretch>
+              <a:fillRect/>
+            </a:stretch>
+          </p:blipFill>
+          <p:spPr>
+            <a:xfrm flipH="1">
+              <a:off x="4436458" y="5752507"/>
+              <a:ext cx="742950" cy="447675"/>
+            </a:xfrm>
+            <a:prstGeom prst="rect">
+              <a:avLst/>
+            </a:prstGeom>
+          </p:spPr>
+        </p:pic>
+        <p:pic>
+          <p:nvPicPr>
+            <p:cNvPr id="41" name="図 40" descr="ナイフ, のこぎり, 動物, 武器 が含まれている画像&#10;&#10;非常に高い精度で生成された説明">
+              <a:extLst>
+                <a:ext uri="{FF2B5EF4-FFF2-40B4-BE49-F238E27FC236}">
+                  <a16:creationId xmlns:a16="http://schemas.microsoft.com/office/drawing/2014/main" id="{42A69A52-00F2-4695-BBC2-88A94EBFBC0F}"/>
+                </a:ext>
+              </a:extLst>
+            </p:cNvPr>
+            <p:cNvPicPr>
+              <a:picLocks noChangeAspect="1"/>
+            </p:cNvPicPr>
+            <p:nvPr/>
+          </p:nvPicPr>
+          <p:blipFill rotWithShape="1">
+            <a:blip r:embed="rId9">
+              <a:extLst>
+                <a:ext uri="{28A0092B-C50C-407E-A947-70E740481C1C}">
+                  <a14:useLocalDpi xmlns:a14="http://schemas.microsoft.com/office/drawing/2010/main" val="0"/>
+                </a:ext>
+              </a:extLst>
+            </a:blip>
+            <a:srcRect r="33490"/>
+            <a:stretch/>
+          </p:blipFill>
+          <p:spPr>
+            <a:xfrm>
+              <a:off x="4090941" y="5932507"/>
+              <a:ext cx="487796" cy="466725"/>
+            </a:xfrm>
+            <a:prstGeom prst="rect">
+              <a:avLst/>
+            </a:prstGeom>
+          </p:spPr>
+        </p:pic>
+      </p:grpSp>
     </p:spTree>
     <p:extLst>
       <p:ext uri="{BB962C8B-B14F-4D97-AF65-F5344CB8AC3E}">
-        <p14:creationId xmlns:p14="http://schemas.microsoft.com/office/powerpoint/2010/main" val="3026811555"/>
+        <p14:creationId xmlns:p14="http://schemas.microsoft.com/office/powerpoint/2010/main" val="4037683425"/>
       </p:ext>
     </p:extLst>
   </p:cSld>
@@ -7318,8 +7714,8 @@
         </p:nvGrpSpPr>
         <p:grpSpPr>
           <a:xfrm>
-            <a:off x="389708" y="1859715"/>
-            <a:ext cx="5514706" cy="4720420"/>
+            <a:off x="473598" y="1557711"/>
+            <a:ext cx="4803077" cy="3928689"/>
             <a:chOff x="531223" y="4014909"/>
             <a:chExt cx="5514706" cy="4720420"/>
           </a:xfrm>
@@ -7369,27 +7765,52 @@
             <a:bodyPr rtlCol="0" anchor="ctr"/>
             <a:lstStyle/>
             <a:p>
-              <a:endParaRPr lang="en-US" altLang="ja-JP" sz="2800" b="1" dirty="0"/>
-            </a:p>
-            <a:p>
-              <a:endParaRPr lang="en-US" altLang="ja-JP" sz="2800" b="1" dirty="0"/>
+              <a:endParaRPr lang="en-US" altLang="ja-JP" sz="2400" b="1" dirty="0"/>
             </a:p>
             <a:p>
               <a:r>
-                <a:rPr lang="ja-JP" altLang="en-US" sz="2800" b="1" dirty="0"/>
-                <a:t>コミュニティ間でソースコードを共有し、プログラムの参考にすることが可能。</a:t>
+                <a:rPr lang="ja-JP" altLang="en-US" sz="2400" b="1" dirty="0"/>
+                <a:t>・学習者間でソースコードを</a:t>
               </a:r>
-              <a:endParaRPr lang="en-US" altLang="ja-JP" sz="2800" b="1" dirty="0"/>
-            </a:p>
-            <a:p>
-              <a:endParaRPr lang="en-US" altLang="ja-JP" sz="2800" b="1" dirty="0"/>
+              <a:endParaRPr lang="en-US" altLang="ja-JP" sz="2400" b="1" dirty="0"/>
             </a:p>
             <a:p>
               <a:r>
-                <a:rPr lang="ja-JP" altLang="en-US" sz="2800" b="1" dirty="0"/>
-                <a:t>学習者同士での相互評価や教員的な存在からのアドバイスを受けることができる。</a:t>
+                <a:rPr lang="ja-JP" altLang="en-US" sz="2400" b="1" dirty="0"/>
+                <a:t>　共有し、プログラムの参考　　</a:t>
               </a:r>
-              <a:endParaRPr lang="en-US" altLang="ja-JP" sz="2800" b="1" dirty="0"/>
+              <a:endParaRPr lang="en-US" altLang="ja-JP" sz="2400" b="1" dirty="0"/>
+            </a:p>
+            <a:p>
+              <a:r>
+                <a:rPr lang="ja-JP" altLang="en-US" sz="2400" b="1" dirty="0"/>
+                <a:t>　にすることが可能。</a:t>
+              </a:r>
+              <a:endParaRPr lang="en-US" altLang="ja-JP" sz="2400" b="1" dirty="0"/>
+            </a:p>
+            <a:p>
+              <a:endParaRPr lang="en-US" altLang="ja-JP" sz="2400" b="1" dirty="0"/>
+            </a:p>
+            <a:p>
+              <a:r>
+                <a:rPr lang="ja-JP" altLang="en-US" sz="2400" b="1" dirty="0"/>
+                <a:t>・学習者同士での相互評価や</a:t>
+              </a:r>
+              <a:endParaRPr lang="en-US" altLang="ja-JP" sz="2400" b="1" dirty="0"/>
+            </a:p>
+            <a:p>
+              <a:r>
+                <a:rPr lang="ja-JP" altLang="en-US" sz="2400" b="1" dirty="0"/>
+                <a:t>　指導者からのアドバイスを</a:t>
+              </a:r>
+              <a:endParaRPr lang="en-US" altLang="ja-JP" sz="2400" b="1" dirty="0"/>
+            </a:p>
+            <a:p>
+              <a:r>
+                <a:rPr lang="ja-JP" altLang="en-US" sz="2400" b="1" dirty="0"/>
+                <a:t>　受けることができる。</a:t>
+              </a:r>
+              <a:endParaRPr lang="en-US" altLang="ja-JP" sz="2400" b="1" dirty="0"/>
             </a:p>
             <a:p>
               <a:endParaRPr kumimoji="1" lang="ja-JP" altLang="en-US" sz="3200" b="1" dirty="0"/>
@@ -7411,7 +7832,7 @@
           <p:spPr>
             <a:xfrm>
               <a:off x="957939" y="4014909"/>
-              <a:ext cx="3912330" cy="523220"/>
+              <a:ext cx="3912330" cy="554702"/>
             </a:xfrm>
             <a:prstGeom prst="rect">
               <a:avLst/>
@@ -7442,7 +7863,7 @@
             <a:p>
               <a:pPr algn="ctr"/>
               <a:r>
-                <a:rPr kumimoji="1" lang="ja-JP" altLang="en-US" sz="2800" b="1" dirty="0"/>
+                <a:rPr kumimoji="1" lang="ja-JP" altLang="en-US" sz="2400" b="1" dirty="0"/>
                 <a:t>ソースコード共有機能</a:t>
               </a:r>
             </a:p>
@@ -7463,7 +7884,7 @@
         </p:nvGrpSpPr>
         <p:grpSpPr>
           <a:xfrm>
-            <a:off x="6287586" y="1868424"/>
+            <a:off x="6212085" y="1558031"/>
             <a:ext cx="5514706" cy="4720420"/>
             <a:chOff x="552995" y="4014909"/>
             <a:chExt cx="5514706" cy="4720420"/>
@@ -7517,18 +7938,53 @@
             <a:lstStyle/>
             <a:p>
               <a:r>
-                <a:rPr lang="ja-JP" altLang="en-US" sz="2800" b="1" dirty="0"/>
-                <a:t>教員的な存在だけでなく学習者本人も問題を作成しコミュニティに公開することが可能。</a:t>
+                <a:rPr lang="ja-JP" altLang="en-US" sz="2400" b="1" dirty="0"/>
+                <a:t>・指導者だけでなく学習者も</a:t>
               </a:r>
-              <a:endParaRPr lang="en-US" altLang="ja-JP" sz="2800" b="1" dirty="0"/>
-            </a:p>
-            <a:p>
-              <a:endParaRPr lang="en-US" altLang="ja-JP" sz="2000" b="1" dirty="0"/>
+              <a:endParaRPr lang="en-US" altLang="ja-JP" sz="2400" b="1" dirty="0"/>
             </a:p>
             <a:p>
               <a:r>
-                <a:rPr lang="ja-JP" altLang="en-US" sz="2800" b="1" dirty="0"/>
-                <a:t>問題に対する最も優秀な回答を投票で決めランキングを作成、競争を期待できる。</a:t>
+                <a:rPr lang="ja-JP" altLang="en-US" sz="2400" b="1" dirty="0"/>
+                <a:t>　問題を作成しコミュニティ</a:t>
+              </a:r>
+              <a:endParaRPr lang="en-US" altLang="ja-JP" sz="2400" b="1" dirty="0"/>
+            </a:p>
+            <a:p>
+              <a:r>
+                <a:rPr lang="ja-JP" altLang="en-US" sz="2400" b="1" dirty="0"/>
+                <a:t>　に公開することが可能。</a:t>
+              </a:r>
+              <a:endParaRPr lang="en-US" altLang="ja-JP" sz="2400" b="1" dirty="0"/>
+            </a:p>
+            <a:p>
+              <a:endParaRPr lang="en-US" altLang="ja-JP" sz="2400" b="1" dirty="0"/>
+            </a:p>
+            <a:p>
+              <a:r>
+                <a:rPr lang="ja-JP" altLang="en-US" sz="2400" b="1" dirty="0"/>
+                <a:t>・作成した問題に対する最も</a:t>
+              </a:r>
+              <a:endParaRPr lang="en-US" altLang="ja-JP" sz="2400" b="1" dirty="0"/>
+            </a:p>
+            <a:p>
+              <a:r>
+                <a:rPr lang="ja-JP" altLang="en-US" sz="2400" b="1" dirty="0"/>
+                <a:t>　優秀な回答を投票で決め、</a:t>
+              </a:r>
+              <a:endParaRPr lang="en-US" altLang="ja-JP" sz="2400" b="1" dirty="0"/>
+            </a:p>
+            <a:p>
+              <a:r>
+                <a:rPr lang="ja-JP" altLang="en-US" sz="2400" b="1" dirty="0"/>
+                <a:t>　ランキングを作成。</a:t>
+              </a:r>
+              <a:endParaRPr lang="en-US" altLang="ja-JP" sz="2400" b="1" dirty="0"/>
+            </a:p>
+            <a:p>
+              <a:r>
+                <a:rPr lang="ja-JP" altLang="en-US" sz="2400" b="1" dirty="0"/>
+                <a:t>　競争が期待できる。</a:t>
               </a:r>
             </a:p>
           </p:txBody>
@@ -7548,7 +8004,7 @@
           <p:spPr>
             <a:xfrm>
               <a:off x="957939" y="4014909"/>
-              <a:ext cx="3606502" cy="523220"/>
+              <a:ext cx="3606502" cy="461665"/>
             </a:xfrm>
             <a:prstGeom prst="rect">
               <a:avLst/>
@@ -7585,7 +8041,7 @@
             <a:p>
               <a:pPr algn="ctr"/>
               <a:r>
-                <a:rPr lang="ja-JP" altLang="en-US" sz="2800" b="1" dirty="0"/>
+                <a:rPr lang="ja-JP" altLang="en-US" sz="2400" b="1" dirty="0"/>
                 <a:t>問題作成・公開機能</a:t>
               </a:r>
             </a:p>
@@ -7666,7 +8122,7 @@
         </p:nvGrpSpPr>
         <p:grpSpPr>
           <a:xfrm>
-            <a:off x="389708" y="1859715"/>
+            <a:off x="389708" y="1566100"/>
             <a:ext cx="5514706" cy="4720420"/>
             <a:chOff x="531223" y="4014909"/>
             <a:chExt cx="5514706" cy="4720420"/>
@@ -7720,24 +8176,66 @@
             <a:lstStyle/>
             <a:p>
               <a:r>
-                <a:rPr kumimoji="1" lang="ja-JP" altLang="en-US" sz="2800" b="1" dirty="0"/>
-                <a:t>プログラミングで分からないことをスレッド機能を用いてほかの学習者に対して支援を求めることが可能。</a:t>
+                <a:rPr lang="ja-JP" altLang="en-US" sz="2400" b="1" dirty="0"/>
+                <a:t>・わからないことがあれば、</a:t>
               </a:r>
-              <a:endParaRPr kumimoji="1" lang="en-US" altLang="ja-JP" sz="2800" b="1" dirty="0"/>
-            </a:p>
-            <a:p>
-              <a:endParaRPr lang="en-US" altLang="ja-JP" sz="2800" b="1" dirty="0"/>
+              <a:endParaRPr lang="en-US" altLang="ja-JP" sz="2400" b="1" dirty="0"/>
             </a:p>
             <a:p>
               <a:r>
-                <a:rPr kumimoji="1" lang="ja-JP" altLang="en-US" sz="2800" b="1" dirty="0"/>
-                <a:t>スレッドの流れをアーカイブすることも可能</a:t>
+                <a:rPr lang="ja-JP" altLang="en-US" sz="2400" b="1" dirty="0"/>
+                <a:t>　スレッドを用いて</a:t>
               </a:r>
               <a:r>
-                <a:rPr lang="ja-JP" altLang="en-US" sz="2800" b="1" dirty="0"/>
-                <a:t>。</a:t>
+                <a:rPr kumimoji="1" lang="ja-JP" altLang="en-US" sz="2400" b="1" dirty="0"/>
+                <a:t>ほかの</a:t>
               </a:r>
-              <a:endParaRPr kumimoji="1" lang="ja-JP" altLang="en-US" sz="2800" b="1" dirty="0"/>
+              <a:endParaRPr kumimoji="1" lang="en-US" altLang="ja-JP" sz="2400" b="1" dirty="0"/>
+            </a:p>
+            <a:p>
+              <a:r>
+                <a:rPr kumimoji="1" lang="ja-JP" altLang="en-US" sz="2400" b="1" dirty="0"/>
+                <a:t>　学習者に支援を求めること</a:t>
+              </a:r>
+              <a:endParaRPr kumimoji="1" lang="en-US" altLang="ja-JP" sz="2400" b="1" dirty="0"/>
+            </a:p>
+            <a:p>
+              <a:r>
+                <a:rPr lang="ja-JP" altLang="en-US" sz="2400" b="1" dirty="0"/>
+                <a:t>　</a:t>
+              </a:r>
+              <a:r>
+                <a:rPr kumimoji="1" lang="ja-JP" altLang="en-US" sz="2400" b="1" dirty="0"/>
+                <a:t>が可能。</a:t>
+              </a:r>
+              <a:endParaRPr kumimoji="1" lang="en-US" altLang="ja-JP" sz="2400" b="1" dirty="0"/>
+            </a:p>
+            <a:p>
+              <a:endParaRPr lang="en-US" altLang="ja-JP" sz="2400" b="1" dirty="0"/>
+            </a:p>
+            <a:p>
+              <a:r>
+                <a:rPr kumimoji="1" lang="ja-JP" altLang="en-US" sz="2400" b="1" dirty="0"/>
+                <a:t>・スレッドをアーカイブ化</a:t>
+              </a:r>
+              <a:endParaRPr kumimoji="1" lang="en-US" altLang="ja-JP" sz="2400" b="1" dirty="0"/>
+            </a:p>
+            <a:p>
+              <a:r>
+                <a:rPr lang="ja-JP" altLang="en-US" sz="2400" b="1" dirty="0"/>
+                <a:t>　</a:t>
+              </a:r>
+              <a:r>
+                <a:rPr kumimoji="1" lang="ja-JP" altLang="en-US" sz="2400" b="1" dirty="0"/>
+                <a:t>することで、過去の事例を</a:t>
+              </a:r>
+              <a:endParaRPr kumimoji="1" lang="en-US" altLang="ja-JP" sz="2400" b="1" dirty="0"/>
+            </a:p>
+            <a:p>
+              <a:r>
+                <a:rPr kumimoji="1" lang="ja-JP" altLang="en-US" sz="2400" b="1" dirty="0"/>
+                <a:t>　検索することが可能。</a:t>
+              </a:r>
             </a:p>
           </p:txBody>
         </p:sp>
@@ -7756,7 +8254,7 @@
           <p:spPr>
             <a:xfrm>
               <a:off x="957939" y="4014909"/>
-              <a:ext cx="2466707" cy="523220"/>
+              <a:ext cx="2466707" cy="461665"/>
             </a:xfrm>
             <a:prstGeom prst="rect">
               <a:avLst/>
@@ -7787,7 +8285,7 @@
             <a:p>
               <a:pPr algn="ctr"/>
               <a:r>
-                <a:rPr kumimoji="1" lang="ja-JP" altLang="en-US" sz="2800" b="1" dirty="0"/>
+                <a:rPr kumimoji="1" lang="ja-JP" altLang="en-US" sz="2400" b="1" dirty="0"/>
                 <a:t>スレッド機能</a:t>
               </a:r>
             </a:p>
@@ -7808,7 +8306,7 @@
         </p:nvGrpSpPr>
         <p:grpSpPr>
           <a:xfrm>
-            <a:off x="6287586" y="1859715"/>
+            <a:off x="6287586" y="1507377"/>
             <a:ext cx="5514706" cy="4720420"/>
             <a:chOff x="552995" y="4014909"/>
             <a:chExt cx="5514706" cy="4720420"/>
@@ -7859,59 +8357,86 @@
             <a:bodyPr rtlCol="0" anchor="ctr"/>
             <a:lstStyle/>
             <a:p>
-              <a:endParaRPr lang="en-US" altLang="ja-JP" sz="2800" b="1" dirty="0"/>
+              <a:endParaRPr lang="en-US" altLang="ja-JP" sz="2400" b="1" dirty="0"/>
             </a:p>
             <a:p>
-              <a:endParaRPr lang="en-US" altLang="ja-JP" sz="2800" b="1" dirty="0"/>
+              <a:endParaRPr lang="en-US" altLang="ja-JP" sz="2400" b="1" dirty="0"/>
             </a:p>
             <a:p>
               <a:r>
-                <a:rPr lang="ja-JP" altLang="en-US" sz="2800" b="1" dirty="0"/>
-                <a:t>リファレンス・コメント・エラーとその解決方法、解決例をそれぞれの学習者がアーカイブし、誰もが閲覧することができるデータベースを共有。</a:t>
+                <a:rPr lang="ja-JP" altLang="en-US" sz="2400" b="1" dirty="0"/>
+                <a:t>・リファレンス、コメント、</a:t>
               </a:r>
-              <a:endParaRPr lang="en-US" altLang="ja-JP" sz="2800" b="1" dirty="0"/>
-            </a:p>
-            <a:p>
-              <a:endParaRPr lang="en-US" altLang="ja-JP" sz="2800" b="1" dirty="0"/>
+              <a:endParaRPr lang="en-US" altLang="ja-JP" sz="2400" b="1" dirty="0"/>
             </a:p>
             <a:p>
               <a:r>
-                <a:rPr lang="ja-JP" altLang="en-US" sz="2000" b="1" dirty="0"/>
+                <a:rPr lang="ja-JP" altLang="en-US" sz="2400" b="1" dirty="0"/>
+                <a:t>　エラーとその解決方法を</a:t>
+              </a:r>
+              <a:endParaRPr lang="en-US" altLang="ja-JP" sz="2400" b="1" dirty="0"/>
+            </a:p>
+            <a:p>
+              <a:r>
+                <a:rPr lang="ja-JP" altLang="en-US" sz="2400" b="1" dirty="0"/>
+                <a:t>　それぞれの学習者がアー</a:t>
+              </a:r>
+              <a:endParaRPr lang="en-US" altLang="ja-JP" sz="2400" b="1" dirty="0"/>
+            </a:p>
+            <a:p>
+              <a:r>
+                <a:rPr lang="ja-JP" altLang="en-US" sz="2400" b="1" dirty="0"/>
+                <a:t>　カイブ化し、誰でも閲覧</a:t>
+              </a:r>
+              <a:endParaRPr lang="en-US" altLang="ja-JP" sz="2400" b="1" dirty="0"/>
+            </a:p>
+            <a:p>
+              <a:r>
+                <a:rPr lang="ja-JP" altLang="en-US" sz="2400" b="1" dirty="0"/>
+                <a:t>　することができるデータ　</a:t>
+              </a:r>
+              <a:endParaRPr lang="en-US" altLang="ja-JP" sz="2400" b="1" dirty="0"/>
+            </a:p>
+            <a:p>
+              <a:r>
+                <a:rPr lang="ja-JP" altLang="en-US" sz="2400" b="1" dirty="0"/>
+                <a:t>　ベースとして共有。</a:t>
+              </a:r>
+              <a:endParaRPr lang="en-US" altLang="ja-JP" sz="2400" b="1" dirty="0"/>
+            </a:p>
+            <a:p>
+              <a:endParaRPr lang="en-US" altLang="ja-JP" sz="2400" b="1" dirty="0"/>
+            </a:p>
+            <a:p>
+              <a:r>
+                <a:rPr lang="ja-JP" altLang="en-US" b="1" dirty="0"/>
                 <a:t>例</a:t>
               </a:r>
               <a:r>
-                <a:rPr lang="en-US" altLang="ja-JP" sz="2000" b="1" dirty="0"/>
+                <a:rPr lang="en-US" altLang="ja-JP" b="1" dirty="0"/>
                 <a:t>: </a:t>
               </a:r>
               <a:r>
-                <a:rPr lang="ja-JP" altLang="en-US" sz="2000" b="1" dirty="0"/>
+                <a:rPr lang="ja-JP" altLang="en-US" b="1" dirty="0"/>
                 <a:t>とあるライブラリを使った</a:t>
               </a:r>
-              <a:endParaRPr lang="en-US" altLang="ja-JP" sz="2000" b="1" dirty="0"/>
+              <a:endParaRPr lang="en-US" altLang="ja-JP" b="1" dirty="0"/>
             </a:p>
             <a:p>
               <a:r>
-                <a:rPr lang="ja-JP" altLang="en-US" sz="2000" b="1" dirty="0"/>
-                <a:t>　→今後も使う可能性があるので</a:t>
+                <a:rPr lang="ja-JP" altLang="en-US" b="1" dirty="0"/>
+                <a:t>　→今後も使う可能性があるので、関数の</a:t>
               </a:r>
-              <a:r>
-                <a:rPr lang="en-US" altLang="ja-JP" sz="2000" b="1" dirty="0"/>
-                <a:t>, </a:t>
-              </a:r>
-              <a:r>
-                <a:rPr lang="ja-JP" altLang="en-US" sz="2000" b="1" dirty="0"/>
-                <a:t>関数の</a:t>
-              </a:r>
-              <a:endParaRPr lang="en-US" altLang="ja-JP" sz="2000" b="1" dirty="0"/>
+              <a:endParaRPr lang="en-US" altLang="ja-JP" b="1" dirty="0"/>
             </a:p>
             <a:p>
               <a:r>
-                <a:rPr lang="ja-JP" altLang="en-US" sz="2000" b="1" dirty="0"/>
+                <a:rPr lang="ja-JP" altLang="en-US" b="1" dirty="0"/>
                 <a:t>　 引数や戻り値などの情報をコメント化</a:t>
               </a:r>
             </a:p>
             <a:p>
-              <a:endParaRPr lang="en-US" altLang="ja-JP" sz="3600" b="1" dirty="0"/>
+              <a:endParaRPr lang="en-US" altLang="ja-JP" sz="3200" b="1" dirty="0"/>
             </a:p>
           </p:txBody>
         </p:sp>
@@ -7938,13 +8463,15 @@
             <a:ln/>
           </p:spPr>
           <p:style>
-            <a:lnRef idx="3">
-              <a:schemeClr val="lt1"/>
+            <a:lnRef idx="2">
+              <a:schemeClr val="accent4">
+                <a:shade val="50000"/>
+              </a:schemeClr>
             </a:lnRef>
             <a:fillRef idx="1">
               <a:schemeClr val="accent4"/>
             </a:fillRef>
-            <a:effectRef idx="1">
+            <a:effectRef idx="0">
               <a:schemeClr val="accent4"/>
             </a:effectRef>
             <a:fontRef idx="minor">
@@ -8095,12 +8622,8 @@
             <a:lstStyle/>
             <a:p>
               <a:r>
-                <a:rPr lang="ja-JP" altLang="en-US" sz="2800" b="1" dirty="0"/>
-                <a:t>  </a:t>
-              </a:r>
-              <a:r>
                 <a:rPr kumimoji="1" lang="ja-JP" altLang="en-US" sz="2800" b="1" dirty="0"/>
-                <a:t>ほかの学習者のプログラム</a:t>
+                <a:t>　学習者のプログラム</a:t>
               </a:r>
               <a:r>
                 <a:rPr lang="ja-JP" altLang="en-US" sz="2800" b="1" dirty="0"/>
@@ -8108,33 +8631,44 @@
               </a:r>
               <a:r>
                 <a:rPr kumimoji="1" lang="ja-JP" altLang="en-US" sz="2800" b="1" dirty="0"/>
-                <a:t>添削する際、添削が行いやすいエ</a:t>
+                <a:t>添削する上で、</a:t>
               </a:r>
               <a:endParaRPr kumimoji="1" lang="en-US" altLang="ja-JP" sz="2800" b="1" dirty="0"/>
             </a:p>
             <a:p>
               <a:r>
-                <a:rPr lang="en-US" altLang="ja-JP" sz="2800" b="1" dirty="0"/>
-                <a:t>  </a:t>
+                <a:rPr kumimoji="1" lang="ja-JP" altLang="en-US" sz="2800" b="1" dirty="0"/>
+                <a:t>　</a:t>
+              </a:r>
+              <a:r>
+                <a:rPr lang="ja-JP" altLang="en-US" sz="2800" b="1" dirty="0"/>
+                <a:t>・</a:t>
               </a:r>
               <a:r>
                 <a:rPr kumimoji="1" lang="ja-JP" altLang="en-US" sz="2800" b="1" dirty="0"/>
-                <a:t>ディタであり、</a:t>
+                <a:t>添削が行いやすい</a:t>
               </a:r>
               <a:r>
                 <a:rPr lang="ja-JP" altLang="en-US" sz="2800" b="1" dirty="0"/>
-                <a:t>また依頼した側は添削者の意図をくみ取り修正</a:t>
+                <a:t>エ</a:t>
+              </a:r>
+              <a:r>
+                <a:rPr kumimoji="1" lang="ja-JP" altLang="en-US" sz="2800" b="1" dirty="0"/>
+                <a:t>ディタである事</a:t>
+              </a:r>
+              <a:endParaRPr kumimoji="1" lang="en-US" altLang="ja-JP" sz="2800" b="1" dirty="0"/>
+            </a:p>
+            <a:p>
+              <a:r>
+                <a:rPr lang="ja-JP" altLang="en-US" sz="2800" b="1" dirty="0"/>
+                <a:t>　・学習者が添削者の意図をくみ取り修正を行える事</a:t>
               </a:r>
               <a:endParaRPr lang="en-US" altLang="ja-JP" sz="2800" b="1" dirty="0"/>
             </a:p>
             <a:p>
               <a:r>
-                <a:rPr lang="en-US" altLang="ja-JP" sz="2800" b="1" dirty="0"/>
-                <a:t>  </a:t>
-              </a:r>
-              <a:r>
                 <a:rPr lang="ja-JP" altLang="en-US" sz="2800" b="1" dirty="0"/>
-                <a:t>を行う必要性がある。</a:t>
+                <a:t>　が求められる。</a:t>
               </a:r>
               <a:endParaRPr lang="en-US" altLang="ja-JP" sz="2800" b="1" dirty="0"/>
             </a:p>
@@ -8144,16 +8678,24 @@
             <a:p>
               <a:r>
                 <a:rPr lang="ja-JP" altLang="en-US" sz="2800" b="1" dirty="0"/>
-                <a:t>  本システムに導入するエディタはプログラムの添削に特化した</a:t>
+                <a:t>　</a:t>
               </a:r>
-              <a:endParaRPr lang="en-US" altLang="ja-JP" sz="2800" b="1" dirty="0"/>
+              <a:r>
+                <a:rPr lang="ja-JP" altLang="en-US" sz="2800" b="1" u="sng" dirty="0"/>
+                <a:t>本システムに導入するエディタはプログラムの添削に特化した　</a:t>
+              </a:r>
+              <a:endParaRPr lang="en-US" altLang="ja-JP" sz="2800" b="1" u="sng" dirty="0"/>
             </a:p>
             <a:p>
               <a:r>
                 <a:rPr lang="ja-JP" altLang="en-US" sz="2800" b="1" dirty="0"/>
-                <a:t>  インターフェイスを目指す。</a:t>
+                <a:t>　</a:t>
               </a:r>
-              <a:endParaRPr lang="en-US" altLang="ja-JP" sz="2800" b="1" dirty="0"/>
+              <a:r>
+                <a:rPr lang="ja-JP" altLang="en-US" sz="2800" b="1" u="sng" dirty="0"/>
+                <a:t>インタフェースを目指す。</a:t>
+              </a:r>
+              <a:endParaRPr lang="en-US" altLang="ja-JP" sz="2800" b="1" u="sng" dirty="0"/>
             </a:p>
           </p:txBody>
         </p:sp>
@@ -8293,7 +8835,7 @@
           <p:nvPr>
             <p:extLst>
               <p:ext uri="{D42A27DB-BD31-4B8C-83A1-F6EECF244321}">
-                <p14:modId xmlns:p14="http://schemas.microsoft.com/office/powerpoint/2010/main" val="659396778"/>
+                <p14:modId xmlns:p14="http://schemas.microsoft.com/office/powerpoint/2010/main" val="159211446"/>
               </p:ext>
             </p:extLst>
           </p:nvPr>
@@ -8722,7 +9264,8 @@
                       <a:r>
                         <a:rPr lang="en-US" sz="2000" b="1" u="none" strike="noStrike" dirty="0">
                           <a:effectLst/>
-                          <a:latin typeface="+mn-lt"/>
+                          <a:latin typeface="HGP明朝E" panose="02020900000000000000" pitchFamily="18" charset="-128"/>
+                          <a:ea typeface="HGP明朝E" panose="02020900000000000000" pitchFamily="18" charset="-128"/>
                         </a:rPr>
                         <a:t>Gathers'</a:t>
                       </a:r>
@@ -8731,8 +9274,8 @@
                           <a:srgbClr val="000000"/>
                         </a:solidFill>
                         <a:effectLst/>
-                        <a:latin typeface="+mn-lt"/>
-                        <a:ea typeface="游明朝" panose="02020400000000000000" pitchFamily="18" charset="-128"/>
+                        <a:latin typeface="HGP明朝E" panose="02020900000000000000" pitchFamily="18" charset="-128"/>
+                        <a:ea typeface="HGP明朝E" panose="02020900000000000000" pitchFamily="18" charset="-128"/>
                       </a:endParaRPr>
                     </a:p>
                   </a:txBody>
@@ -9125,7 +9668,11 @@
                       </a:endParaRPr>
                     </a:p>
                   </a:txBody>
-                  <a:tcPr marL="9525" marR="9525" marT="9525" marB="0" anchor="ctr"/>
+                  <a:tcPr marL="9525" marR="9525" marT="9525" marB="0" anchor="ctr">
+                    <a:solidFill>
+                      <a:srgbClr val="FDE6D7"/>
+                    </a:solidFill>
+                  </a:tcPr>
                 </a:tc>
                 <a:extLst>
                   <a:ext uri="{0D108BD9-81ED-4DB2-BD59-A6C34878D82A}">
@@ -9514,7 +10061,11 @@
                       </a:endParaRPr>
                     </a:p>
                   </a:txBody>
-                  <a:tcPr marL="9525" marR="9525" marT="9525" marB="0" anchor="ctr"/>
+                  <a:tcPr marL="9525" marR="9525" marT="9525" marB="0" anchor="ctr">
+                    <a:solidFill>
+                      <a:srgbClr val="FDE6D7"/>
+                    </a:solidFill>
+                  </a:tcPr>
                 </a:tc>
                 <a:extLst>
                   <a:ext uri="{0D108BD9-81ED-4DB2-BD59-A6C34878D82A}">
@@ -9903,7 +10454,11 @@
                       </a:endParaRPr>
                     </a:p>
                   </a:txBody>
-                  <a:tcPr marL="9525" marR="9525" marT="9525" marB="0" anchor="ctr"/>
+                  <a:tcPr marL="9525" marR="9525" marT="9525" marB="0" anchor="ctr">
+                    <a:solidFill>
+                      <a:srgbClr val="FDE6D7"/>
+                    </a:solidFill>
+                  </a:tcPr>
                 </a:tc>
                 <a:extLst>
                   <a:ext uri="{0D108BD9-81ED-4DB2-BD59-A6C34878D82A}">
@@ -10292,7 +10847,11 @@
                       </a:endParaRPr>
                     </a:p>
                   </a:txBody>
-                  <a:tcPr marL="9525" marR="9525" marT="9525" marB="0" anchor="ctr"/>
+                  <a:tcPr marL="9525" marR="9525" marT="9525" marB="0" anchor="ctr">
+                    <a:solidFill>
+                      <a:srgbClr val="FDE6D7"/>
+                    </a:solidFill>
+                  </a:tcPr>
                 </a:tc>
                 <a:extLst>
                   <a:ext uri="{0D108BD9-81ED-4DB2-BD59-A6C34878D82A}">
@@ -10681,7 +11240,11 @@
                       </a:endParaRPr>
                     </a:p>
                   </a:txBody>
-                  <a:tcPr marL="9525" marR="9525" marT="9525" marB="0" anchor="ctr"/>
+                  <a:tcPr marL="9525" marR="9525" marT="9525" marB="0" anchor="ctr">
+                    <a:solidFill>
+                      <a:srgbClr val="FDE6D7"/>
+                    </a:solidFill>
+                  </a:tcPr>
                 </a:tc>
                 <a:extLst>
                   <a:ext uri="{0D108BD9-81ED-4DB2-BD59-A6C34878D82A}">
